--- a/坐标系.pptx
+++ b/坐标系.pptx
@@ -25,17 +25,19 @@
     <p:sldId id="267" r:id="rId19"/>
     <p:sldId id="282" r:id="rId20"/>
     <p:sldId id="283" r:id="rId21"/>
-    <p:sldId id="268" r:id="rId22"/>
-    <p:sldId id="269" r:id="rId23"/>
-    <p:sldId id="284" r:id="rId24"/>
-    <p:sldId id="277" r:id="rId25"/>
-    <p:sldId id="285" r:id="rId26"/>
-    <p:sldId id="278" r:id="rId27"/>
-    <p:sldId id="286" r:id="rId28"/>
-    <p:sldId id="279" r:id="rId29"/>
-    <p:sldId id="287" r:id="rId30"/>
-    <p:sldId id="276" r:id="rId31"/>
-    <p:sldId id="266" r:id="rId32"/>
+    <p:sldId id="289" r:id="rId22"/>
+    <p:sldId id="268" r:id="rId23"/>
+    <p:sldId id="288" r:id="rId24"/>
+    <p:sldId id="269" r:id="rId25"/>
+    <p:sldId id="284" r:id="rId26"/>
+    <p:sldId id="277" r:id="rId27"/>
+    <p:sldId id="285" r:id="rId28"/>
+    <p:sldId id="278" r:id="rId29"/>
+    <p:sldId id="286" r:id="rId30"/>
+    <p:sldId id="279" r:id="rId31"/>
+    <p:sldId id="287" r:id="rId32"/>
+    <p:sldId id="276" r:id="rId33"/>
+    <p:sldId id="266" r:id="rId34"/>
   </p:sldIdLst>
   <p:sldSz cx="12192000" cy="6858000"/>
   <p:notesSz cx="6858000" cy="9144000"/>
@@ -289,7 +291,7 @@
           <a:p>
             <a:fld id="{1362AB05-36D8-4A33-BF8B-2C7BB1AD9EDC}" type="datetimeFigureOut">
               <a:rPr lang="zh-CN" altLang="en-US" smtClean="0"/>
-              <a:t>2022/8/19</a:t>
+              <a:t>2022/9/14</a:t>
             </a:fld>
             <a:endParaRPr lang="zh-CN" altLang="en-US"/>
           </a:p>
@@ -487,7 +489,7 @@
           <a:p>
             <a:fld id="{1362AB05-36D8-4A33-BF8B-2C7BB1AD9EDC}" type="datetimeFigureOut">
               <a:rPr lang="zh-CN" altLang="en-US" smtClean="0"/>
-              <a:t>2022/8/19</a:t>
+              <a:t>2022/9/14</a:t>
             </a:fld>
             <a:endParaRPr lang="zh-CN" altLang="en-US"/>
           </a:p>
@@ -695,7 +697,7 @@
           <a:p>
             <a:fld id="{1362AB05-36D8-4A33-BF8B-2C7BB1AD9EDC}" type="datetimeFigureOut">
               <a:rPr lang="zh-CN" altLang="en-US" smtClean="0"/>
-              <a:t>2022/8/19</a:t>
+              <a:t>2022/9/14</a:t>
             </a:fld>
             <a:endParaRPr lang="zh-CN" altLang="en-US"/>
           </a:p>
@@ -893,7 +895,7 @@
           <a:p>
             <a:fld id="{1362AB05-36D8-4A33-BF8B-2C7BB1AD9EDC}" type="datetimeFigureOut">
               <a:rPr lang="zh-CN" altLang="en-US" smtClean="0"/>
-              <a:t>2022/8/19</a:t>
+              <a:t>2022/9/14</a:t>
             </a:fld>
             <a:endParaRPr lang="zh-CN" altLang="en-US"/>
           </a:p>
@@ -1168,7 +1170,7 @@
           <a:p>
             <a:fld id="{1362AB05-36D8-4A33-BF8B-2C7BB1AD9EDC}" type="datetimeFigureOut">
               <a:rPr lang="zh-CN" altLang="en-US" smtClean="0"/>
-              <a:t>2022/8/19</a:t>
+              <a:t>2022/9/14</a:t>
             </a:fld>
             <a:endParaRPr lang="zh-CN" altLang="en-US"/>
           </a:p>
@@ -1433,7 +1435,7 @@
           <a:p>
             <a:fld id="{1362AB05-36D8-4A33-BF8B-2C7BB1AD9EDC}" type="datetimeFigureOut">
               <a:rPr lang="zh-CN" altLang="en-US" smtClean="0"/>
-              <a:t>2022/8/19</a:t>
+              <a:t>2022/9/14</a:t>
             </a:fld>
             <a:endParaRPr lang="zh-CN" altLang="en-US"/>
           </a:p>
@@ -1845,7 +1847,7 @@
           <a:p>
             <a:fld id="{1362AB05-36D8-4A33-BF8B-2C7BB1AD9EDC}" type="datetimeFigureOut">
               <a:rPr lang="zh-CN" altLang="en-US" smtClean="0"/>
-              <a:t>2022/8/19</a:t>
+              <a:t>2022/9/14</a:t>
             </a:fld>
             <a:endParaRPr lang="zh-CN" altLang="en-US"/>
           </a:p>
@@ -1986,7 +1988,7 @@
           <a:p>
             <a:fld id="{1362AB05-36D8-4A33-BF8B-2C7BB1AD9EDC}" type="datetimeFigureOut">
               <a:rPr lang="zh-CN" altLang="en-US" smtClean="0"/>
-              <a:t>2022/8/19</a:t>
+              <a:t>2022/9/14</a:t>
             </a:fld>
             <a:endParaRPr lang="zh-CN" altLang="en-US"/>
           </a:p>
@@ -2099,7 +2101,7 @@
           <a:p>
             <a:fld id="{1362AB05-36D8-4A33-BF8B-2C7BB1AD9EDC}" type="datetimeFigureOut">
               <a:rPr lang="zh-CN" altLang="en-US" smtClean="0"/>
-              <a:t>2022/8/19</a:t>
+              <a:t>2022/9/14</a:t>
             </a:fld>
             <a:endParaRPr lang="zh-CN" altLang="en-US"/>
           </a:p>
@@ -2410,7 +2412,7 @@
           <a:p>
             <a:fld id="{1362AB05-36D8-4A33-BF8B-2C7BB1AD9EDC}" type="datetimeFigureOut">
               <a:rPr lang="zh-CN" altLang="en-US" smtClean="0"/>
-              <a:t>2022/8/19</a:t>
+              <a:t>2022/9/14</a:t>
             </a:fld>
             <a:endParaRPr lang="zh-CN" altLang="en-US"/>
           </a:p>
@@ -2698,7 +2700,7 @@
           <a:p>
             <a:fld id="{1362AB05-36D8-4A33-BF8B-2C7BB1AD9EDC}" type="datetimeFigureOut">
               <a:rPr lang="zh-CN" altLang="en-US" smtClean="0"/>
-              <a:t>2022/8/19</a:t>
+              <a:t>2022/9/14</a:t>
             </a:fld>
             <a:endParaRPr lang="zh-CN" altLang="en-US"/>
           </a:p>
@@ -2939,7 +2941,7 @@
           <a:p>
             <a:fld id="{1362AB05-36D8-4A33-BF8B-2C7BB1AD9EDC}" type="datetimeFigureOut">
               <a:rPr lang="zh-CN" altLang="en-US" smtClean="0"/>
-              <a:t>2022/8/19</a:t>
+              <a:t>2022/9/14</a:t>
             </a:fld>
             <a:endParaRPr lang="zh-CN" altLang="en-US"/>
           </a:p>
@@ -3380,9 +3382,14 @@
           <a:lstStyle/>
           <a:p>
             <a:r>
-              <a:rPr lang="zh-CN" altLang="en-US" sz="7200" b="1" dirty="0"/>
-              <a:t>坐标系</a:t>
-            </a:r>
+              <a:rPr lang="en-US" altLang="zh-CN" sz="7200" b="1" dirty="0">
+                <a:latin typeface="Carta Magna Line" panose="04000000000000000900" pitchFamily="82" charset="0"/>
+              </a:rPr>
+              <a:t>Coordinate System</a:t>
+            </a:r>
+            <a:endParaRPr lang="zh-CN" altLang="en-US" sz="7200" b="1" dirty="0">
+              <a:latin typeface="Carta Magna Line" panose="04000000000000000900" pitchFamily="82" charset="0"/>
+            </a:endParaRPr>
           </a:p>
         </p:txBody>
       </p:sp>
@@ -3408,7 +3415,13 @@
           <a:lstStyle/>
           <a:p>
             <a:r>
-              <a:rPr lang="zh-CN" altLang="en-US" dirty="0"/>
+              <a:rPr lang="zh-CN" altLang="en-US" dirty="0">
+                <a:solidFill>
+                  <a:schemeClr val="bg1">
+                    <a:lumMod val="50000"/>
+                  </a:schemeClr>
+                </a:solidFill>
+              </a:rPr>
               <a:t>坐标系的简史与程序化</a:t>
             </a:r>
           </a:p>
@@ -3612,6 +3625,36 @@
           </a:p>
         </p:txBody>
       </p:sp>
+      <p:pic>
+        <p:nvPicPr>
+          <p:cNvPr id="5" name="图片 4">
+            <a:extLst>
+              <a:ext uri="{FF2B5EF4-FFF2-40B4-BE49-F238E27FC236}">
+                <a16:creationId xmlns:a16="http://schemas.microsoft.com/office/drawing/2014/main" id="{FE4FDC6E-FA73-46AC-B647-1DA0E1497975}"/>
+              </a:ext>
+            </a:extLst>
+          </p:cNvPr>
+          <p:cNvPicPr>
+            <a:picLocks noChangeAspect="1"/>
+          </p:cNvPicPr>
+          <p:nvPr/>
+        </p:nvPicPr>
+        <p:blipFill>
+          <a:blip r:embed="rId2"/>
+          <a:stretch>
+            <a:fillRect/>
+          </a:stretch>
+        </p:blipFill>
+        <p:spPr>
+          <a:xfrm>
+            <a:off x="8101527" y="1375332"/>
+            <a:ext cx="3419475" cy="3267075"/>
+          </a:xfrm>
+          <a:prstGeom prst="rect">
+            <a:avLst/>
+          </a:prstGeom>
+        </p:spPr>
+      </p:pic>
     </p:spTree>
     <p:extLst>
       <p:ext uri="{BB962C8B-B14F-4D97-AF65-F5344CB8AC3E}">
@@ -3841,7 +3884,7 @@
         <p:spPr/>
         <p:txBody>
           <a:bodyPr>
-            <a:normAutofit fontScale="92500" lnSpcReduction="20000"/>
+            <a:normAutofit/>
           </a:bodyPr>
           <a:lstStyle/>
           <a:p>
@@ -3849,75 +3892,6 @@
               <a:buNone/>
             </a:pPr>
             <a:r>
-              <a:rPr lang="en-US" altLang="zh-CN" dirty="0">
-                <a:solidFill>
-                  <a:srgbClr val="00B050"/>
-                </a:solidFill>
-              </a:rPr>
-              <a:t>// C1*C2*C3* ... *</a:t>
-            </a:r>
-            <a:r>
-              <a:rPr lang="en-US" altLang="zh-CN" dirty="0" err="1">
-                <a:solidFill>
-                  <a:srgbClr val="00B050"/>
-                </a:solidFill>
-              </a:rPr>
-              <a:t>Cloc</a:t>
-            </a:r>
-            <a:r>
-              <a:rPr lang="en-US" altLang="zh-CN" dirty="0">
-                <a:solidFill>
-                  <a:srgbClr val="00B050"/>
-                </a:solidFill>
-              </a:rPr>
-              <a:t> * </a:t>
-            </a:r>
-            <a:r>
-              <a:rPr lang="en-US" altLang="zh-CN" dirty="0" err="1">
-                <a:solidFill>
-                  <a:srgbClr val="00B050"/>
-                </a:solidFill>
-              </a:rPr>
-              <a:t>Vloc</a:t>
-            </a:r>
-            <a:r>
-              <a:rPr lang="en-US" altLang="zh-CN" dirty="0">
-                <a:solidFill>
-                  <a:srgbClr val="00B050"/>
-                </a:solidFill>
-              </a:rPr>
-              <a:t> </a:t>
-            </a:r>
-            <a:r>
-              <a:rPr lang="zh-CN" altLang="en-US" dirty="0">
-                <a:solidFill>
-                  <a:srgbClr val="00B050"/>
-                </a:solidFill>
-              </a:rPr>
-              <a:t>（</a:t>
-            </a:r>
-            <a:r>
-              <a:rPr lang="en-US" altLang="zh-CN" dirty="0" err="1">
-                <a:solidFill>
-                  <a:srgbClr val="00B050"/>
-                </a:solidFill>
-              </a:rPr>
-              <a:t>transfrom</a:t>
-            </a:r>
-            <a:r>
-              <a:rPr lang="en-US" altLang="zh-CN" dirty="0">
-                <a:solidFill>
-                  <a:srgbClr val="00B050"/>
-                </a:solidFill>
-              </a:rPr>
-              <a:t>)</a:t>
-            </a:r>
-          </a:p>
-          <a:p>
-            <a:pPr marL="0" indent="0">
-              <a:buNone/>
-            </a:pPr>
-            <a:r>
               <a:rPr lang="en-US" altLang="zh-CN" dirty="0"/>
               <a:t>vec3 operator * (vec3 v)</a:t>
             </a:r>
@@ -3994,7 +3968,7 @@
             </a:pPr>
             <a:r>
               <a:rPr lang="en-US" altLang="zh-CN" dirty="0"/>
-              <a:t>}</a:t>
+              <a:t>} </a:t>
             </a:r>
           </a:p>
           <a:p>
@@ -4002,29 +3976,16 @@
               <a:buNone/>
             </a:pPr>
             <a:r>
-              <a:rPr lang="en-US" altLang="zh-CN" dirty="0">
-                <a:solidFill>
-                  <a:srgbClr val="00B050"/>
-                </a:solidFill>
-              </a:rPr>
-              <a:t>// V * C1 * C2 ...</a:t>
-            </a:r>
-          </a:p>
-          <a:p>
-            <a:pPr marL="0" indent="0">
-              <a:buNone/>
-            </a:pPr>
-            <a:r>
-              <a:rPr lang="en-US" altLang="zh-CN" dirty="0"/>
-              <a:t>friend vec3 operator * (vec3 v, const </a:t>
+              <a:rPr lang="en-US" altLang="zh-CN" dirty="0"/>
+              <a:t>vec3 operator * (vec3 v, </a:t>
             </a:r>
             <a:r>
               <a:rPr lang="en-US" altLang="zh-CN" dirty="0" err="1"/>
-              <a:t>coord_t</a:t>
-            </a:r>
-            <a:r>
-              <a:rPr lang="en-US" altLang="zh-CN" dirty="0"/>
-              <a:t>&amp; c)</a:t>
+              <a:t>Cood</a:t>
+            </a:r>
+            <a:r>
+              <a:rPr lang="en-US" altLang="zh-CN" dirty="0"/>
+              <a:t> c)</a:t>
             </a:r>
           </a:p>
           <a:p>
@@ -4221,7 +4182,7 @@
             </a:pPr>
             <a:r>
               <a:rPr lang="en-US" altLang="zh-CN" dirty="0" err="1"/>
-              <a:t>coord_t</a:t>
+              <a:t>Cood</a:t>
             </a:r>
             <a:r>
               <a:rPr lang="en-US" altLang="zh-CN" dirty="0"/>
@@ -4229,11 +4190,11 @@
             </a:r>
             <a:r>
               <a:rPr lang="en-US" altLang="zh-CN" dirty="0" err="1"/>
-              <a:t>coord_t</a:t>
-            </a:r>
-            <a:r>
-              <a:rPr lang="en-US" altLang="zh-CN" dirty="0"/>
-              <a:t>&amp; c)</a:t>
+              <a:t>Cood</a:t>
+            </a:r>
+            <a:r>
+              <a:rPr lang="en-US" altLang="zh-CN" dirty="0"/>
+              <a:t> &amp; c)</a:t>
             </a:r>
           </a:p>
           <a:p>
@@ -4255,7 +4216,7 @@
             </a:r>
             <a:r>
               <a:rPr lang="en-US" altLang="zh-CN" dirty="0" err="1"/>
-              <a:t>coord_t</a:t>
+              <a:t>Cood</a:t>
             </a:r>
             <a:r>
               <a:rPr lang="en-US" altLang="zh-CN" dirty="0"/>
@@ -4901,7 +4862,7 @@
           <a:p>
             <a:r>
               <a:rPr lang="zh-CN" altLang="en-US" dirty="0"/>
-              <a:t>乘法对应张量的协变</a:t>
+              <a:t>除法对应张量的协变</a:t>
             </a:r>
           </a:p>
         </p:txBody>
@@ -5018,7 +4979,7 @@
         </p:spPr>
         <p:txBody>
           <a:bodyPr>
-            <a:normAutofit fontScale="70000" lnSpcReduction="20000"/>
+            <a:normAutofit fontScale="77500" lnSpcReduction="20000"/>
           </a:bodyPr>
           <a:lstStyle/>
           <a:p>
@@ -5026,52 +4987,8 @@
               <a:buNone/>
             </a:pPr>
             <a:r>
-              <a:rPr lang="en-US" altLang="zh-CN" dirty="0">
-                <a:solidFill>
-                  <a:srgbClr val="00B050"/>
-                </a:solidFill>
-              </a:rPr>
-              <a:t>// </a:t>
-            </a:r>
-            <a:r>
-              <a:rPr lang="en-US" altLang="zh-CN" dirty="0" err="1">
-                <a:solidFill>
-                  <a:srgbClr val="00B050"/>
-                </a:solidFill>
-              </a:rPr>
-              <a:t>Vworld</a:t>
-            </a:r>
-            <a:r>
-              <a:rPr lang="en-US" altLang="zh-CN" dirty="0">
-                <a:solidFill>
-                  <a:srgbClr val="00B050"/>
-                </a:solidFill>
-              </a:rPr>
-              <a:t>/C1/C2/C3/ ... /</a:t>
-            </a:r>
-            <a:r>
-              <a:rPr lang="en-US" altLang="zh-CN" dirty="0" err="1">
-                <a:solidFill>
-                  <a:srgbClr val="00B050"/>
-                </a:solidFill>
-              </a:rPr>
-              <a:t>Cloc</a:t>
-            </a:r>
-            <a:r>
-              <a:rPr lang="zh-CN" altLang="en-US" dirty="0">
-                <a:solidFill>
-                  <a:srgbClr val="00B050"/>
-                </a:solidFill>
-              </a:rPr>
-              <a:t>（</a:t>
-            </a:r>
-            <a:r>
-              <a:rPr lang="en-US" altLang="zh-CN" dirty="0">
-                <a:solidFill>
-                  <a:srgbClr val="00B050"/>
-                </a:solidFill>
-              </a:rPr>
-              <a:t>projection)</a:t>
+              <a:rPr lang="en-US" altLang="zh-CN" dirty="0"/>
+              <a:t>vec3 operator / (vec3 p, Coord c)</a:t>
             </a:r>
           </a:p>
           <a:p>
@@ -5080,15 +4997,7 @@
             </a:pPr>
             <a:r>
               <a:rPr lang="en-US" altLang="zh-CN" dirty="0"/>
-              <a:t>friend vec3 operator / (const vec3 &amp; v, const </a:t>
-            </a:r>
-            <a:r>
-              <a:rPr lang="en-US" altLang="zh-CN" dirty="0" err="1"/>
-              <a:t>coord_t</a:t>
-            </a:r>
-            <a:r>
-              <a:rPr lang="en-US" altLang="zh-CN" dirty="0"/>
-              <a:t>&amp; c)</a:t>
+              <a:t>{</a:t>
             </a:r>
           </a:p>
           <a:p>
@@ -5097,16 +5006,7 @@
             </a:pPr>
             <a:r>
               <a:rPr lang="en-US" altLang="zh-CN" dirty="0"/>
-              <a:t>{</a:t>
-            </a:r>
-          </a:p>
-          <a:p>
-            <a:pPr marL="0" indent="0">
-              <a:buNone/>
-            </a:pPr>
-            <a:r>
-              <a:rPr lang="en-US" altLang="zh-CN" dirty="0"/>
-              <a:t>	vec3 dv = v - </a:t>
+              <a:t>	vec3 v = p - </a:t>
             </a:r>
             <a:r>
               <a:rPr lang="en-US" altLang="zh-CN" dirty="0" err="1"/>
@@ -5123,7 +5023,7 @@
             </a:pPr>
             <a:r>
               <a:rPr lang="en-US" altLang="zh-CN" dirty="0"/>
-              <a:t>	return vec3(dv.dot(</a:t>
+              <a:t>	return vec3(v.dot(</a:t>
             </a:r>
             <a:r>
               <a:rPr lang="en-US" altLang="zh-CN" dirty="0" err="1"/>
@@ -5131,7 +5031,7 @@
             </a:r>
             <a:r>
               <a:rPr lang="en-US" altLang="zh-CN" dirty="0"/>
-              <a:t>), dv.dot(c.uy), dv.dot(c.uz));</a:t>
+              <a:t>), v.dot(c.uy), v.dot(c.uz));</a:t>
             </a:r>
           </a:p>
           <a:p>
@@ -5148,20 +5048,8 @@
               <a:buNone/>
             </a:pPr>
             <a:r>
-              <a:rPr lang="en-US" altLang="zh-CN" dirty="0" err="1"/>
-              <a:t>coord_t</a:t>
-            </a:r>
-            <a:r>
-              <a:rPr lang="en-US" altLang="zh-CN" dirty="0"/>
-              <a:t> operator / (const </a:t>
-            </a:r>
-            <a:r>
-              <a:rPr lang="en-US" altLang="zh-CN" dirty="0" err="1"/>
-              <a:t>coord_t</a:t>
-            </a:r>
-            <a:r>
-              <a:rPr lang="en-US" altLang="zh-CN" dirty="0"/>
-              <a:t>&amp; c)</a:t>
+              <a:rPr lang="en-US" altLang="zh-CN" dirty="0"/>
+              <a:t>Coord operator / (Coord c)</a:t>
             </a:r>
           </a:p>
           <a:p>
@@ -5179,15 +5067,7 @@
             </a:pPr>
             <a:r>
               <a:rPr lang="en-US" altLang="zh-CN" dirty="0"/>
-              <a:t>	</a:t>
-            </a:r>
-            <a:r>
-              <a:rPr lang="en-US" altLang="zh-CN" dirty="0" err="1"/>
-              <a:t>coord_t</a:t>
-            </a:r>
-            <a:r>
-              <a:rPr lang="en-US" altLang="zh-CN" dirty="0"/>
-              <a:t> </a:t>
+              <a:t>	Coord </a:t>
             </a:r>
             <a:r>
               <a:rPr lang="en-US" altLang="zh-CN" dirty="0" err="1"/>
@@ -5489,7 +5369,7 @@
             </a:r>
             <a:r>
               <a:rPr lang="en-US" altLang="zh-CN" dirty="0"/>
-              <a:t>			V3 = V0 / C1 / C2 / C3 = V0 / (C3 * C2 * C1)</a:t>
+              <a:t>			V3 = V0 / C1 / C2 / C3 = V0 / (C1 * C2 * C3)</a:t>
             </a:r>
           </a:p>
           <a:p>
@@ -6511,6 +6391,171 @@
           <p:cNvPr id="2" name="标题 1">
             <a:extLst>
               <a:ext uri="{FF2B5EF4-FFF2-40B4-BE49-F238E27FC236}">
+                <a16:creationId xmlns:a16="http://schemas.microsoft.com/office/drawing/2014/main" id="{98A971D2-0BD5-A5A7-2EFC-687D57C2B938}"/>
+              </a:ext>
+            </a:extLst>
+          </p:cNvPr>
+          <p:cNvSpPr>
+            <a:spLocks noGrp="1"/>
+          </p:cNvSpPr>
+          <p:nvPr>
+            <p:ph type="title"/>
+          </p:nvPr>
+        </p:nvSpPr>
+        <p:spPr/>
+        <p:txBody>
+          <a:bodyPr/>
+          <a:lstStyle/>
+          <a:p>
+            <a:r>
+              <a:rPr lang="zh-CN" altLang="en-US" dirty="0"/>
+              <a:t>更多的运算</a:t>
+            </a:r>
+          </a:p>
+        </p:txBody>
+      </p:sp>
+      <p:sp>
+        <p:nvSpPr>
+          <p:cNvPr id="3" name="内容占位符 2">
+            <a:extLst>
+              <a:ext uri="{FF2B5EF4-FFF2-40B4-BE49-F238E27FC236}">
+                <a16:creationId xmlns:a16="http://schemas.microsoft.com/office/drawing/2014/main" id="{1F030A76-A9F8-9227-91EB-ACCBDB2443F2}"/>
+              </a:ext>
+            </a:extLst>
+          </p:cNvPr>
+          <p:cNvSpPr>
+            <a:spLocks noGrp="1"/>
+          </p:cNvSpPr>
+          <p:nvPr>
+            <p:ph idx="1"/>
+          </p:nvPr>
+        </p:nvSpPr>
+        <p:spPr/>
+        <p:txBody>
+          <a:bodyPr/>
+          <a:lstStyle/>
+          <a:p>
+            <a:r>
+              <a:rPr lang="zh-CN" altLang="en-US" dirty="0"/>
+              <a:t>标量乘法：</a:t>
+            </a:r>
+            <a:endParaRPr lang="en-US" altLang="zh-CN" dirty="0"/>
+          </a:p>
+          <a:p>
+            <a:pPr marL="0" indent="0">
+              <a:buNone/>
+            </a:pPr>
+            <a:r>
+              <a:rPr lang="en-US" altLang="zh-CN" dirty="0"/>
+              <a:t>	C*k = </a:t>
+            </a:r>
+            <a:r>
+              <a:rPr lang="en-US" altLang="zh-CN" dirty="0" err="1"/>
+              <a:t>C.scale</a:t>
+            </a:r>
+            <a:r>
+              <a:rPr lang="en-US" altLang="zh-CN" dirty="0"/>
+              <a:t> * k</a:t>
+            </a:r>
+          </a:p>
+          <a:p>
+            <a:pPr marL="0" indent="0">
+              <a:buNone/>
+            </a:pPr>
+            <a:endParaRPr lang="en-US" altLang="zh-CN" dirty="0"/>
+          </a:p>
+          <a:p>
+            <a:r>
+              <a:rPr lang="zh-CN" altLang="en-US" dirty="0"/>
+              <a:t>四元数乘法</a:t>
+            </a:r>
+            <a:endParaRPr lang="en-US" altLang="zh-CN" dirty="0"/>
+          </a:p>
+          <a:p>
+            <a:pPr marL="457200" lvl="1" indent="0">
+              <a:buNone/>
+            </a:pPr>
+            <a:r>
+              <a:rPr lang="en-US" altLang="zh-CN" dirty="0"/>
+              <a:t>	 C*q = q*C = </a:t>
+            </a:r>
+            <a:r>
+              <a:rPr lang="en-US" altLang="zh-CN" dirty="0" err="1"/>
+              <a:t>C.rot</a:t>
+            </a:r>
+            <a:r>
+              <a:rPr lang="en-US" altLang="zh-CN" dirty="0"/>
+              <a:t>(</a:t>
+            </a:r>
+            <a:r>
+              <a:rPr lang="en-US" altLang="zh-CN" dirty="0" err="1"/>
+              <a:t>q.ang</a:t>
+            </a:r>
+            <a:r>
+              <a:rPr lang="en-US" altLang="zh-CN" dirty="0"/>
+              <a:t>, q.ax)</a:t>
+            </a:r>
+          </a:p>
+          <a:p>
+            <a:pPr marL="457200" lvl="1" indent="0">
+              <a:buNone/>
+            </a:pPr>
+            <a:endParaRPr lang="en-US" altLang="zh-CN" dirty="0"/>
+          </a:p>
+          <a:p>
+            <a:r>
+              <a:rPr lang="zh-CN" altLang="en-US" dirty="0"/>
+              <a:t>加减法</a:t>
+            </a:r>
+            <a:endParaRPr lang="en-US" altLang="zh-CN" dirty="0"/>
+          </a:p>
+          <a:p>
+            <a:pPr marL="0" indent="0">
+              <a:buNone/>
+            </a:pPr>
+            <a:r>
+              <a:rPr lang="en-US" altLang="zh-CN" dirty="0"/>
+              <a:t>	C1+o = C1.o + o, C1-o = C1.o - o</a:t>
+            </a:r>
+            <a:endParaRPr lang="zh-CN" altLang="en-US" dirty="0"/>
+          </a:p>
+        </p:txBody>
+      </p:sp>
+    </p:spTree>
+    <p:extLst>
+      <p:ext uri="{BB962C8B-B14F-4D97-AF65-F5344CB8AC3E}">
+        <p14:creationId xmlns:p14="http://schemas.microsoft.com/office/powerpoint/2010/main" val="4272109235"/>
+      </p:ext>
+    </p:extLst>
+  </p:cSld>
+  <p:clrMapOvr>
+    <a:masterClrMapping/>
+  </p:clrMapOvr>
+</p:sld>
+</file>
+
+<file path=ppt/slides/slide22.xml><?xml version="1.0" encoding="utf-8"?>
+<p:sld xmlns:a="http://schemas.openxmlformats.org/drawingml/2006/main" xmlns:r="http://schemas.openxmlformats.org/officeDocument/2006/relationships" xmlns:p="http://schemas.openxmlformats.org/presentationml/2006/main">
+  <p:cSld>
+    <p:spTree>
+      <p:nvGrpSpPr>
+        <p:cNvPr id="1" name=""/>
+        <p:cNvGrpSpPr/>
+        <p:nvPr/>
+      </p:nvGrpSpPr>
+      <p:grpSpPr>
+        <a:xfrm>
+          <a:off x="0" y="0"/>
+          <a:ext cx="0" cy="0"/>
+          <a:chOff x="0" y="0"/>
+          <a:chExt cx="0" cy="0"/>
+        </a:xfrm>
+      </p:grpSpPr>
+      <p:sp>
+        <p:nvSpPr>
+          <p:cNvPr id="2" name="标题 1">
+            <a:extLst>
+              <a:ext uri="{FF2B5EF4-FFF2-40B4-BE49-F238E27FC236}">
                 <a16:creationId xmlns:a16="http://schemas.microsoft.com/office/drawing/2014/main" id="{412D179E-A5A6-AAE8-B3FF-7EEDDEDD36D0}"/>
               </a:ext>
             </a:extLst>
@@ -6563,7 +6608,7 @@
             </a:r>
             <a:r>
               <a:rPr lang="en-US" altLang="zh-CN" dirty="0" err="1"/>
-              <a:t>cood_t</a:t>
+              <a:t>Cood</a:t>
             </a:r>
             <a:r>
               <a:rPr lang="en-US" altLang="zh-CN" dirty="0"/>
@@ -6594,7 +6639,7 @@
           <a:p>
             <a:r>
               <a:rPr lang="en-US" altLang="zh-CN" dirty="0" err="1"/>
-              <a:t>cood_t</a:t>
+              <a:t>Cood</a:t>
             </a:r>
             <a:r>
               <a:rPr lang="en-US" altLang="zh-CN" dirty="0"/>
@@ -6606,7 +6651,7 @@
             </a:r>
             <a:r>
               <a:rPr lang="en-US" altLang="zh-CN" dirty="0"/>
-              <a:t>			</a:t>
+              <a:t>				</a:t>
             </a:r>
             <a:r>
               <a:rPr lang="en-US" altLang="zh-CN" dirty="0">
@@ -6710,7 +6755,15 @@
           <a:p>
             <a:r>
               <a:rPr lang="en-US" altLang="zh-CN" dirty="0"/>
-              <a:t>vec3 cross(vec3 v)			</a:t>
+              <a:t>vec3 cross(</a:t>
+            </a:r>
+            <a:r>
+              <a:rPr lang="en-US" altLang="zh-CN" dirty="0" err="1"/>
+              <a:t>Cood</a:t>
+            </a:r>
+            <a:r>
+              <a:rPr lang="en-US" altLang="zh-CN" dirty="0"/>
+              <a:t> c)			</a:t>
             </a:r>
             <a:r>
               <a:rPr lang="en-US" altLang="zh-CN" dirty="0">
@@ -6737,7 +6790,15 @@
           <a:p>
             <a:r>
               <a:rPr lang="fr-FR" altLang="zh-CN" dirty="0"/>
-              <a:t>vec3 coord2eulers(coord_t&amp; rm)</a:t>
+              <a:t>vec3 coord2eulers(coord&amp; </a:t>
+            </a:r>
+            <a:r>
+              <a:rPr lang="en-US" altLang="zh-CN" dirty="0"/>
+              <a:t>c</a:t>
+            </a:r>
+            <a:r>
+              <a:rPr lang="fr-FR" altLang="zh-CN" dirty="0"/>
+              <a:t>)</a:t>
             </a:r>
             <a:r>
               <a:rPr lang="en-US" altLang="zh-CN" dirty="0"/>
@@ -6831,7 +6892,139 @@
 </p:sld>
 </file>
 
-<file path=ppt/slides/slide22.xml><?xml version="1.0" encoding="utf-8"?>
+<file path=ppt/slides/slide23.xml><?xml version="1.0" encoding="utf-8"?>
+<p:sld xmlns:a="http://schemas.openxmlformats.org/drawingml/2006/main" xmlns:r="http://schemas.openxmlformats.org/officeDocument/2006/relationships" xmlns:p="http://schemas.openxmlformats.org/presentationml/2006/main">
+  <p:cSld>
+    <p:spTree>
+      <p:nvGrpSpPr>
+        <p:cNvPr id="1" name=""/>
+        <p:cNvGrpSpPr/>
+        <p:nvPr/>
+      </p:nvGrpSpPr>
+      <p:grpSpPr>
+        <a:xfrm>
+          <a:off x="0" y="0"/>
+          <a:ext cx="0" cy="0"/>
+          <a:chOff x="0" y="0"/>
+          <a:chExt cx="0" cy="0"/>
+        </a:xfrm>
+      </p:grpSpPr>
+      <p:sp>
+        <p:nvSpPr>
+          <p:cNvPr id="2" name="标题 1">
+            <a:extLst>
+              <a:ext uri="{FF2B5EF4-FFF2-40B4-BE49-F238E27FC236}">
+                <a16:creationId xmlns:a16="http://schemas.microsoft.com/office/drawing/2014/main" id="{46032E46-486C-D43A-0534-D926A6DD4490}"/>
+              </a:ext>
+            </a:extLst>
+          </p:cNvPr>
+          <p:cNvSpPr>
+            <a:spLocks noGrp="1"/>
+          </p:cNvSpPr>
+          <p:nvPr>
+            <p:ph type="title"/>
+          </p:nvPr>
+        </p:nvSpPr>
+        <p:spPr/>
+        <p:txBody>
+          <a:bodyPr/>
+          <a:lstStyle/>
+          <a:p>
+            <a:r>
+              <a:rPr lang="zh-CN" altLang="en-US" dirty="0"/>
+              <a:t>坐标系与矩阵的关系</a:t>
+            </a:r>
+          </a:p>
+        </p:txBody>
+      </p:sp>
+      <p:sp>
+        <p:nvSpPr>
+          <p:cNvPr id="3" name="内容占位符 2">
+            <a:extLst>
+              <a:ext uri="{FF2B5EF4-FFF2-40B4-BE49-F238E27FC236}">
+                <a16:creationId xmlns:a16="http://schemas.microsoft.com/office/drawing/2014/main" id="{7E7B0E60-BC93-1F85-6D65-A756DDBED9D8}"/>
+              </a:ext>
+            </a:extLst>
+          </p:cNvPr>
+          <p:cNvSpPr>
+            <a:spLocks noGrp="1"/>
+          </p:cNvSpPr>
+          <p:nvPr>
+            <p:ph idx="1"/>
+          </p:nvPr>
+        </p:nvSpPr>
+        <p:spPr/>
+        <p:txBody>
+          <a:bodyPr/>
+          <a:lstStyle/>
+          <a:p>
+            <a:r>
+              <a:rPr lang="zh-CN" altLang="en-US" dirty="0"/>
+              <a:t>坐标系是独立于矩阵定义的</a:t>
+            </a:r>
+            <a:endParaRPr lang="en-US" altLang="zh-CN" dirty="0"/>
+          </a:p>
+          <a:p>
+            <a:r>
+              <a:rPr lang="zh-CN" altLang="en-US" dirty="0"/>
+              <a:t>坐标系的初等逻辑矩阵也能够实现</a:t>
+            </a:r>
+            <a:endParaRPr lang="en-US" altLang="zh-CN" dirty="0"/>
+          </a:p>
+          <a:p>
+            <a:r>
+              <a:rPr lang="zh-CN" altLang="en-US" dirty="0"/>
+              <a:t>矩阵的用途更广，坐标变换只是其中之一，所以显得笨拙</a:t>
+            </a:r>
+            <a:endParaRPr lang="en-US" altLang="zh-CN" dirty="0"/>
+          </a:p>
+          <a:p>
+            <a:r>
+              <a:rPr lang="zh-CN" altLang="en-US" dirty="0"/>
+              <a:t>坐标系是专门为坐标变换设计的，用起来更加便利</a:t>
+            </a:r>
+            <a:endParaRPr lang="en-US" altLang="zh-CN" dirty="0"/>
+          </a:p>
+          <a:p>
+            <a:r>
+              <a:rPr lang="zh-CN" altLang="en-US" dirty="0"/>
+              <a:t>坐标系可以有更加清晰的几何含义</a:t>
+            </a:r>
+            <a:endParaRPr lang="en-US" altLang="zh-CN" dirty="0"/>
+          </a:p>
+          <a:p>
+            <a:r>
+              <a:rPr lang="zh-CN" altLang="en-US" dirty="0"/>
+              <a:t>坐标系更方便实现函数化，四元数</a:t>
+            </a:r>
+            <a:endParaRPr lang="en-US" altLang="zh-CN" dirty="0"/>
+          </a:p>
+          <a:p>
+            <a:r>
+              <a:rPr lang="zh-CN" altLang="en-US" dirty="0"/>
+              <a:t>最后，坐标系的对标并非矩阵，而是</a:t>
+            </a:r>
+            <a:r>
+              <a:rPr lang="zh-CN" altLang="en-US" b="1" dirty="0"/>
+              <a:t>张量</a:t>
+            </a:r>
+          </a:p>
+        </p:txBody>
+      </p:sp>
+    </p:spTree>
+    <p:extLst>
+      <p:ext uri="{BB962C8B-B14F-4D97-AF65-F5344CB8AC3E}">
+        <p14:creationId xmlns:p14="http://schemas.microsoft.com/office/powerpoint/2010/main" val="2173897212"/>
+      </p:ext>
+    </p:extLst>
+  </p:cSld>
+  <p:clrMapOvr>
+    <a:masterClrMapping/>
+  </p:clrMapOvr>
+</p:sld>
+</file>
+
+<file path=ppt/slides/slide24.xml><?xml version="1.0" encoding="utf-8"?>
 <p:sld xmlns:a="http://schemas.openxmlformats.org/drawingml/2006/main" xmlns:r="http://schemas.openxmlformats.org/officeDocument/2006/relationships" xmlns:p="http://schemas.openxmlformats.org/presentationml/2006/main">
   <p:cSld>
     <p:spTree>
@@ -7016,7 +7209,7 @@
 </p:sld>
 </file>
 
-<file path=ppt/slides/slide23.xml><?xml version="1.0" encoding="utf-8"?>
+<file path=ppt/slides/slide25.xml><?xml version="1.0" encoding="utf-8"?>
 <p:sld xmlns:a="http://schemas.openxmlformats.org/drawingml/2006/main" xmlns:r="http://schemas.openxmlformats.org/officeDocument/2006/relationships" xmlns:p="http://schemas.openxmlformats.org/presentationml/2006/main">
   <p:cSld>
     <p:spTree>
@@ -7134,7 +7327,7 @@
             </a:r>
             <a:r>
               <a:rPr lang="en-US" altLang="zh-CN" dirty="0" err="1"/>
-              <a:t>dFxyz</a:t>
+              <a:t>dcoordF</a:t>
             </a:r>
             <a:r>
               <a:rPr lang="en-US" altLang="zh-CN" dirty="0"/>
@@ -7176,8 +7369,38 @@
         </p:blipFill>
         <p:spPr>
           <a:xfrm>
-            <a:off x="3410466" y="3429000"/>
+            <a:off x="5536213" y="3115962"/>
             <a:ext cx="2445221" cy="2372047"/>
+          </a:xfrm>
+          <a:prstGeom prst="rect">
+            <a:avLst/>
+          </a:prstGeom>
+        </p:spPr>
+      </p:pic>
+      <p:pic>
+        <p:nvPicPr>
+          <p:cNvPr id="7" name="图片 6">
+            <a:extLst>
+              <a:ext uri="{FF2B5EF4-FFF2-40B4-BE49-F238E27FC236}">
+                <a16:creationId xmlns:a16="http://schemas.microsoft.com/office/drawing/2014/main" id="{45D9EFEC-05B4-9EE7-F84B-B8BE99A1F3FB}"/>
+              </a:ext>
+            </a:extLst>
+          </p:cNvPr>
+          <p:cNvPicPr>
+            <a:picLocks noChangeAspect="1"/>
+          </p:cNvPicPr>
+          <p:nvPr/>
+        </p:nvPicPr>
+        <p:blipFill>
+          <a:blip r:embed="rId3"/>
+          <a:stretch>
+            <a:fillRect/>
+          </a:stretch>
+        </p:blipFill>
+        <p:spPr>
+          <a:xfrm>
+            <a:off x="1272746" y="3733800"/>
+            <a:ext cx="3352800" cy="1552575"/>
           </a:xfrm>
           <a:prstGeom prst="rect">
             <a:avLst/>
@@ -7197,7 +7420,7 @@
 </p:sld>
 </file>
 
-<file path=ppt/slides/slide24.xml><?xml version="1.0" encoding="utf-8"?>
+<file path=ppt/slides/slide26.xml><?xml version="1.0" encoding="utf-8"?>
 <p:sld xmlns:a="http://schemas.openxmlformats.org/drawingml/2006/main" xmlns:r="http://schemas.openxmlformats.org/officeDocument/2006/relationships" xmlns:p="http://schemas.openxmlformats.org/presentationml/2006/main">
   <p:cSld>
     <p:spTree>
@@ -7325,6 +7548,15 @@
               <a:rPr lang="en-US" altLang="zh-CN" dirty="0"/>
               <a:t>			</a:t>
             </a:r>
+          </a:p>
+          <a:p>
+            <a:pPr marL="457200" lvl="1" indent="0">
+              <a:buNone/>
+            </a:pPr>
+            <a:r>
+              <a:rPr lang="en-US" altLang="zh-CN" dirty="0"/>
+              <a:t>				</a:t>
+            </a:r>
             <a:r>
               <a:rPr lang="zh-CN" altLang="en-US" dirty="0"/>
               <a:t>梯度是一个向量</a:t>
@@ -7363,7 +7595,7 @@
         </p:blipFill>
         <p:spPr>
           <a:xfrm>
-            <a:off x="1450774" y="2790957"/>
+            <a:off x="1417218" y="2488809"/>
             <a:ext cx="3879108" cy="2659959"/>
           </a:xfrm>
           <a:prstGeom prst="rect">
@@ -7393,8 +7625,8 @@
         </p:blipFill>
         <p:spPr>
           <a:xfrm>
-            <a:off x="5642919" y="2790957"/>
-            <a:ext cx="4861194" cy="2223444"/>
+            <a:off x="5634530" y="2488808"/>
+            <a:ext cx="4861194" cy="2284527"/>
           </a:xfrm>
           <a:prstGeom prst="rect">
             <a:avLst/>
@@ -7414,7 +7646,7 @@
 </p:sld>
 </file>
 
-<file path=ppt/slides/slide25.xml><?xml version="1.0" encoding="utf-8"?>
+<file path=ppt/slides/slide27.xml><?xml version="1.0" encoding="utf-8"?>
 <p:sld xmlns:a="http://schemas.openxmlformats.org/drawingml/2006/main" xmlns:r="http://schemas.openxmlformats.org/officeDocument/2006/relationships" xmlns:p="http://schemas.openxmlformats.org/presentationml/2006/main">
   <p:cSld>
     <p:spTree>
@@ -7735,7 +7967,7 @@
 </p:sld>
 </file>
 
-<file path=ppt/slides/slide26.xml><?xml version="1.0" encoding="utf-8"?>
+<file path=ppt/slides/slide28.xml><?xml version="1.0" encoding="utf-8"?>
 <p:sld xmlns:a="http://schemas.openxmlformats.org/drawingml/2006/main" xmlns:r="http://schemas.openxmlformats.org/officeDocument/2006/relationships" xmlns:p="http://schemas.openxmlformats.org/presentationml/2006/main">
   <p:cSld>
     <p:spTree>
@@ -7956,7 +8188,7 @@
 </p:sld>
 </file>
 
-<file path=ppt/slides/slide27.xml><?xml version="1.0" encoding="utf-8"?>
+<file path=ppt/slides/slide29.xml><?xml version="1.0" encoding="utf-8"?>
 <p:sld xmlns:a="http://schemas.openxmlformats.org/drawingml/2006/main" xmlns:r="http://schemas.openxmlformats.org/officeDocument/2006/relationships" xmlns:p="http://schemas.openxmlformats.org/presentationml/2006/main">
   <p:cSld>
     <p:spTree>
@@ -8082,6 +8314,11 @@
               <a:rPr lang="zh-CN" altLang="en-US" dirty="0"/>
               <a:t>struct Coord</a:t>
             </a:r>
+            <a:r>
+              <a:rPr lang="en-US" altLang="zh-CN" dirty="0"/>
+              <a:t>2</a:t>
+            </a:r>
+            <a:endParaRPr lang="zh-CN" altLang="en-US" dirty="0"/>
           </a:p>
           <a:p>
             <a:r>
@@ -8224,553 +8461,6 @@
     <p:extLst>
       <p:ext uri="{BB962C8B-B14F-4D97-AF65-F5344CB8AC3E}">
         <p14:creationId xmlns:p14="http://schemas.microsoft.com/office/powerpoint/2010/main" val="2042269152"/>
-      </p:ext>
-    </p:extLst>
-  </p:cSld>
-  <p:clrMapOvr>
-    <a:masterClrMapping/>
-  </p:clrMapOvr>
-</p:sld>
-</file>
-
-<file path=ppt/slides/slide28.xml><?xml version="1.0" encoding="utf-8"?>
-<p:sld xmlns:a="http://schemas.openxmlformats.org/drawingml/2006/main" xmlns:r="http://schemas.openxmlformats.org/officeDocument/2006/relationships" xmlns:p="http://schemas.openxmlformats.org/presentationml/2006/main">
-  <p:cSld>
-    <p:spTree>
-      <p:nvGrpSpPr>
-        <p:cNvPr id="1" name=""/>
-        <p:cNvGrpSpPr/>
-        <p:nvPr/>
-      </p:nvGrpSpPr>
-      <p:grpSpPr>
-        <a:xfrm>
-          <a:off x="0" y="0"/>
-          <a:ext cx="0" cy="0"/>
-          <a:chOff x="0" y="0"/>
-          <a:chExt cx="0" cy="0"/>
-        </a:xfrm>
-      </p:grpSpPr>
-      <p:sp>
-        <p:nvSpPr>
-          <p:cNvPr id="2" name="标题 1">
-            <a:extLst>
-              <a:ext uri="{FF2B5EF4-FFF2-40B4-BE49-F238E27FC236}">
-                <a16:creationId xmlns:a16="http://schemas.microsoft.com/office/drawing/2014/main" id="{595D674F-39A3-40A8-660C-015ED2BE41F3}"/>
-              </a:ext>
-            </a:extLst>
-          </p:cNvPr>
-          <p:cNvSpPr>
-            <a:spLocks noGrp="1"/>
-          </p:cNvSpPr>
-          <p:nvPr>
-            <p:ph type="title"/>
-          </p:nvPr>
-        </p:nvSpPr>
-        <p:spPr/>
-        <p:txBody>
-          <a:bodyPr/>
-          <a:lstStyle/>
-          <a:p>
-            <a:r>
-              <a:rPr lang="zh-CN" altLang="en-US" dirty="0"/>
-              <a:t>高阶扩展之四元数坐标系</a:t>
-            </a:r>
-          </a:p>
-        </p:txBody>
-      </p:sp>
-      <p:sp>
-        <p:nvSpPr>
-          <p:cNvPr id="3" name="内容占位符 2">
-            <a:extLst>
-              <a:ext uri="{FF2B5EF4-FFF2-40B4-BE49-F238E27FC236}">
-                <a16:creationId xmlns:a16="http://schemas.microsoft.com/office/drawing/2014/main" id="{511C7D54-07F5-CEA6-DF7F-370FB4650A41}"/>
-              </a:ext>
-            </a:extLst>
-          </p:cNvPr>
-          <p:cNvSpPr>
-            <a:spLocks noGrp="1"/>
-          </p:cNvSpPr>
-          <p:nvPr>
-            <p:ph idx="1"/>
-          </p:nvPr>
-        </p:nvSpPr>
-        <p:spPr/>
-        <p:txBody>
-          <a:bodyPr/>
-          <a:lstStyle/>
-          <a:p>
-            <a:r>
-              <a:rPr lang="zh-CN" altLang="en-US" dirty="0"/>
-              <a:t>如果用四元数代替三个方向：</a:t>
-            </a:r>
-            <a:endParaRPr lang="en-US" altLang="zh-CN" dirty="0"/>
-          </a:p>
-          <a:p>
-            <a:pPr marL="457200" lvl="1" indent="0">
-              <a:buNone/>
-            </a:pPr>
-            <a:r>
-              <a:rPr lang="en-US" altLang="zh-CN" dirty="0"/>
-              <a:t>	struct Coord</a:t>
-            </a:r>
-          </a:p>
-          <a:p>
-            <a:pPr marL="457200" lvl="1" indent="0">
-              <a:buNone/>
-            </a:pPr>
-            <a:r>
-              <a:rPr lang="en-US" altLang="zh-CN" dirty="0"/>
-              <a:t>	{	</a:t>
-            </a:r>
-          </a:p>
-          <a:p>
-            <a:pPr marL="457200" lvl="1" indent="0">
-              <a:buNone/>
-            </a:pPr>
-            <a:r>
-              <a:rPr lang="en-US" altLang="zh-CN" dirty="0"/>
-              <a:t>		quaternion </a:t>
-            </a:r>
-            <a:r>
-              <a:rPr lang="en-US" altLang="zh-CN" dirty="0" err="1"/>
-              <a:t>qx,qy,qz</a:t>
-            </a:r>
-            <a:r>
-              <a:rPr lang="en-US" altLang="zh-CN" dirty="0"/>
-              <a:t>; 		</a:t>
-            </a:r>
-            <a:r>
-              <a:rPr lang="en-US" altLang="zh-CN" dirty="0">
-                <a:solidFill>
-                  <a:schemeClr val="accent6"/>
-                </a:solidFill>
-              </a:rPr>
-              <a:t>// </a:t>
-            </a:r>
-            <a:r>
-              <a:rPr lang="zh-CN" altLang="en-US" dirty="0">
-                <a:solidFill>
-                  <a:schemeClr val="accent6"/>
-                </a:solidFill>
-              </a:rPr>
-              <a:t>三个归一化四元数</a:t>
-            </a:r>
-            <a:r>
-              <a:rPr lang="en-US" altLang="zh-CN" dirty="0"/>
-              <a:t>    				vec3 scale; 			</a:t>
-            </a:r>
-            <a:r>
-              <a:rPr lang="en-US" altLang="zh-CN" dirty="0">
-                <a:solidFill>
-                  <a:schemeClr val="accent6"/>
-                </a:solidFill>
-              </a:rPr>
-              <a:t>// </a:t>
-            </a:r>
-            <a:r>
-              <a:rPr lang="zh-CN" altLang="en-US" dirty="0">
-                <a:solidFill>
-                  <a:schemeClr val="accent6"/>
-                </a:solidFill>
-              </a:rPr>
-              <a:t>缩放</a:t>
-            </a:r>
-            <a:endParaRPr lang="en-US" altLang="zh-CN" dirty="0">
-              <a:solidFill>
-                <a:schemeClr val="accent6"/>
-              </a:solidFill>
-            </a:endParaRPr>
-          </a:p>
-          <a:p>
-            <a:pPr marL="457200" lvl="1" indent="0">
-              <a:buNone/>
-            </a:pPr>
-            <a:r>
-              <a:rPr lang="en-US" altLang="zh-CN" dirty="0"/>
-              <a:t>		vec3 o; 			</a:t>
-            </a:r>
-            <a:r>
-              <a:rPr lang="en-US" altLang="zh-CN" dirty="0">
-                <a:solidFill>
-                  <a:schemeClr val="accent6"/>
-                </a:solidFill>
-              </a:rPr>
-              <a:t>// </a:t>
-            </a:r>
-            <a:r>
-              <a:rPr lang="zh-CN" altLang="en-US" dirty="0">
-                <a:solidFill>
-                  <a:schemeClr val="accent6"/>
-                </a:solidFill>
-              </a:rPr>
-              <a:t>原点位置</a:t>
-            </a:r>
-            <a:endParaRPr lang="en-US" altLang="zh-CN" dirty="0">
-              <a:solidFill>
-                <a:schemeClr val="accent6"/>
-              </a:solidFill>
-            </a:endParaRPr>
-          </a:p>
-          <a:p>
-            <a:pPr marL="457200" lvl="1" indent="0">
-              <a:buNone/>
-            </a:pPr>
-            <a:r>
-              <a:rPr lang="en-US" altLang="zh-CN" dirty="0"/>
-              <a:t>	}</a:t>
-            </a:r>
-            <a:endParaRPr lang="zh-CN" altLang="en-US" dirty="0"/>
-          </a:p>
-          <a:p>
-            <a:pPr marL="0" indent="0">
-              <a:buNone/>
-            </a:pPr>
-            <a:endParaRPr lang="zh-CN" altLang="en-US" dirty="0"/>
-          </a:p>
-        </p:txBody>
-      </p:sp>
-    </p:spTree>
-    <p:extLst>
-      <p:ext uri="{BB962C8B-B14F-4D97-AF65-F5344CB8AC3E}">
-        <p14:creationId xmlns:p14="http://schemas.microsoft.com/office/powerpoint/2010/main" val="31187552"/>
-      </p:ext>
-    </p:extLst>
-  </p:cSld>
-  <p:clrMapOvr>
-    <a:masterClrMapping/>
-  </p:clrMapOvr>
-</p:sld>
-</file>
-
-<file path=ppt/slides/slide29.xml><?xml version="1.0" encoding="utf-8"?>
-<p:sld xmlns:a="http://schemas.openxmlformats.org/drawingml/2006/main" xmlns:r="http://schemas.openxmlformats.org/officeDocument/2006/relationships" xmlns:p="http://schemas.openxmlformats.org/presentationml/2006/main">
-  <p:cSld>
-    <p:spTree>
-      <p:nvGrpSpPr>
-        <p:cNvPr id="1" name=""/>
-        <p:cNvGrpSpPr/>
-        <p:nvPr/>
-      </p:nvGrpSpPr>
-      <p:grpSpPr>
-        <a:xfrm>
-          <a:off x="0" y="0"/>
-          <a:ext cx="0" cy="0"/>
-          <a:chOff x="0" y="0"/>
-          <a:chExt cx="0" cy="0"/>
-        </a:xfrm>
-      </p:grpSpPr>
-      <p:sp>
-        <p:nvSpPr>
-          <p:cNvPr id="2" name="标题 1">
-            <a:extLst>
-              <a:ext uri="{FF2B5EF4-FFF2-40B4-BE49-F238E27FC236}">
-                <a16:creationId xmlns:a16="http://schemas.microsoft.com/office/drawing/2014/main" id="{113D7878-8A99-D8BB-D4BE-DF706E77705B}"/>
-              </a:ext>
-            </a:extLst>
-          </p:cNvPr>
-          <p:cNvSpPr>
-            <a:spLocks noGrp="1"/>
-          </p:cNvSpPr>
-          <p:nvPr>
-            <p:ph type="title"/>
-          </p:nvPr>
-        </p:nvSpPr>
-        <p:spPr/>
-        <p:txBody>
-          <a:bodyPr/>
-          <a:lstStyle/>
-          <a:p>
-            <a:r>
-              <a:rPr lang="zh-CN" altLang="en-US" dirty="0"/>
-              <a:t>高阶扩展之四元数坐标系</a:t>
-            </a:r>
-          </a:p>
-        </p:txBody>
-      </p:sp>
-      <p:sp>
-        <p:nvSpPr>
-          <p:cNvPr id="3" name="内容占位符 2">
-            <a:extLst>
-              <a:ext uri="{FF2B5EF4-FFF2-40B4-BE49-F238E27FC236}">
-                <a16:creationId xmlns:a16="http://schemas.microsoft.com/office/drawing/2014/main" id="{6C089765-0B97-1955-FE5D-FF0CCD33EFA9}"/>
-              </a:ext>
-            </a:extLst>
-          </p:cNvPr>
-          <p:cNvSpPr>
-            <a:spLocks noGrp="1"/>
-          </p:cNvSpPr>
-          <p:nvPr>
-            <p:ph idx="1"/>
-          </p:nvPr>
-        </p:nvSpPr>
-        <p:spPr/>
-        <p:txBody>
-          <a:bodyPr/>
-          <a:lstStyle/>
-          <a:p>
-            <a:r>
-              <a:rPr lang="zh-CN" altLang="en-US" dirty="0"/>
-              <a:t>坐标系向复数系统的扩展对应了 </a:t>
-            </a:r>
-            <a:r>
-              <a:rPr lang="zh-CN" altLang="en-US" b="1" dirty="0"/>
-              <a:t>规范变换</a:t>
-            </a:r>
-            <a:r>
-              <a:rPr lang="en-US" altLang="zh-CN" dirty="0"/>
-              <a:t>(</a:t>
-            </a:r>
-            <a:r>
-              <a:rPr lang="zh-CN" altLang="en-US" dirty="0"/>
-              <a:t>相位角变换）</a:t>
-            </a:r>
-            <a:endParaRPr lang="en-US" altLang="zh-CN" dirty="0"/>
-          </a:p>
-          <a:p>
-            <a:r>
-              <a:rPr lang="zh-CN" altLang="en-US" dirty="0"/>
-              <a:t>四元数来表示电磁场：</a:t>
-            </a:r>
-            <a:endParaRPr lang="en-US" altLang="zh-CN" b="1" dirty="0"/>
-          </a:p>
-          <a:p>
-            <a:pPr marL="0" indent="0">
-              <a:buNone/>
-            </a:pPr>
-            <a:r>
-              <a:rPr lang="en-US" altLang="zh-CN" b="1" dirty="0"/>
-              <a:t>	Q </a:t>
-            </a:r>
-            <a:r>
-              <a:rPr lang="en-US" altLang="zh-CN" dirty="0"/>
-              <a:t>(</a:t>
-            </a:r>
-            <a:r>
-              <a:rPr lang="en-US" altLang="zh-CN" dirty="0" err="1"/>
-              <a:t>fai</a:t>
-            </a:r>
-            <a:r>
-              <a:rPr lang="en-US" altLang="zh-CN" b="1" dirty="0"/>
-              <a:t>, A</a:t>
-            </a:r>
-            <a:r>
-              <a:rPr lang="en-US" altLang="zh-CN" dirty="0"/>
-              <a:t>) = cos(</a:t>
-            </a:r>
-            <a:r>
-              <a:rPr lang="en-US" altLang="zh-CN" dirty="0" err="1"/>
-              <a:t>fai</a:t>
-            </a:r>
-            <a:r>
-              <a:rPr lang="en-US" altLang="zh-CN" dirty="0"/>
-              <a:t>/2) +</a:t>
-            </a:r>
-          </a:p>
-          <a:p>
-            <a:pPr marL="0" indent="0">
-              <a:buNone/>
-            </a:pPr>
-            <a:r>
-              <a:rPr lang="en-US" altLang="zh-CN" dirty="0"/>
-              <a:t>	 </a:t>
-            </a:r>
-            <a:r>
-              <a:rPr lang="en-US" altLang="zh-CN" b="1" dirty="0" err="1"/>
-              <a:t>i</a:t>
-            </a:r>
-            <a:r>
-              <a:rPr lang="en-US" altLang="zh-CN" dirty="0" err="1"/>
-              <a:t>Ax</a:t>
-            </a:r>
-            <a:r>
-              <a:rPr lang="en-US" altLang="zh-CN" dirty="0"/>
-              <a:t> / sin(</a:t>
-            </a:r>
-            <a:r>
-              <a:rPr lang="en-US" altLang="zh-CN" dirty="0" err="1"/>
-              <a:t>fai</a:t>
-            </a:r>
-            <a:r>
-              <a:rPr lang="en-US" altLang="zh-CN" dirty="0"/>
-              <a:t> / 2) + </a:t>
-            </a:r>
-            <a:r>
-              <a:rPr lang="en-US" altLang="zh-CN" b="1" dirty="0" err="1"/>
-              <a:t>j</a:t>
-            </a:r>
-            <a:r>
-              <a:rPr lang="en-US" altLang="zh-CN" dirty="0" err="1"/>
-              <a:t>Ax</a:t>
-            </a:r>
-            <a:r>
-              <a:rPr lang="en-US" altLang="zh-CN" dirty="0"/>
-              <a:t> / sin(</a:t>
-            </a:r>
-            <a:r>
-              <a:rPr lang="en-US" altLang="zh-CN" dirty="0" err="1"/>
-              <a:t>fai</a:t>
-            </a:r>
-            <a:r>
-              <a:rPr lang="en-US" altLang="zh-CN" dirty="0"/>
-              <a:t> / 2) + </a:t>
-            </a:r>
-            <a:r>
-              <a:rPr lang="en-US" altLang="zh-CN" b="1" dirty="0" err="1"/>
-              <a:t>k</a:t>
-            </a:r>
-            <a:r>
-              <a:rPr lang="en-US" altLang="zh-CN" dirty="0" err="1"/>
-              <a:t>Ax</a:t>
-            </a:r>
-            <a:r>
-              <a:rPr lang="en-US" altLang="zh-CN" dirty="0"/>
-              <a:t> / sin(</a:t>
-            </a:r>
-            <a:r>
-              <a:rPr lang="en-US" altLang="zh-CN" dirty="0" err="1"/>
-              <a:t>fai</a:t>
-            </a:r>
-            <a:r>
-              <a:rPr lang="en-US" altLang="zh-CN" dirty="0"/>
-              <a:t> / 2) </a:t>
-            </a:r>
-          </a:p>
-          <a:p>
-            <a:pPr marL="0" indent="0">
-              <a:buNone/>
-            </a:pPr>
-            <a:r>
-              <a:rPr lang="en-US" altLang="zh-CN" b="1" dirty="0"/>
-              <a:t>	</a:t>
-            </a:r>
-            <a:r>
-              <a:rPr lang="en-US" altLang="zh-CN" dirty="0"/>
-              <a:t> </a:t>
-            </a:r>
-            <a:r>
-              <a:rPr lang="en-US" altLang="zh-CN" dirty="0" err="1"/>
-              <a:t>fai</a:t>
-            </a:r>
-            <a:r>
-              <a:rPr lang="en-US" altLang="zh-CN" b="1" dirty="0"/>
-              <a:t> </a:t>
-            </a:r>
-            <a:r>
-              <a:rPr lang="en-US" altLang="zh-CN" dirty="0"/>
-              <a:t>– </a:t>
-            </a:r>
-            <a:r>
-              <a:rPr lang="zh-CN" altLang="en-US" dirty="0"/>
-              <a:t>相位角</a:t>
-            </a:r>
-            <a:r>
-              <a:rPr lang="zh-CN" altLang="en-US" b="1" dirty="0"/>
-              <a:t>，</a:t>
-            </a:r>
-            <a:r>
-              <a:rPr lang="en-US" altLang="zh-CN" b="1" dirty="0"/>
-              <a:t>A </a:t>
-            </a:r>
-            <a:r>
-              <a:rPr lang="en-US" altLang="zh-CN" dirty="0"/>
-              <a:t>– </a:t>
-            </a:r>
-            <a:r>
-              <a:rPr lang="zh-CN" altLang="en-US" dirty="0"/>
-              <a:t>势场</a:t>
-            </a:r>
-            <a:endParaRPr lang="en-US" altLang="zh-CN" dirty="0"/>
-          </a:p>
-          <a:p>
-            <a:pPr marL="0" indent="0">
-              <a:buNone/>
-            </a:pPr>
-            <a:r>
-              <a:rPr lang="en-US" altLang="zh-CN" dirty="0"/>
-              <a:t>    </a:t>
-            </a:r>
-            <a:r>
-              <a:rPr lang="zh-CN" altLang="en-US" dirty="0"/>
-              <a:t>对于稳态电磁场：</a:t>
-            </a:r>
-            <a:endParaRPr lang="en-US" altLang="zh-CN" dirty="0"/>
-          </a:p>
-          <a:p>
-            <a:pPr marL="0" indent="0">
-              <a:buNone/>
-            </a:pPr>
-            <a:r>
-              <a:rPr lang="en-US" altLang="zh-CN" dirty="0"/>
-              <a:t>	</a:t>
-            </a:r>
-            <a:r>
-              <a:rPr lang="zh-CN" altLang="en-US" dirty="0"/>
-              <a:t>电场</a:t>
-            </a:r>
-            <a:r>
-              <a:rPr lang="en-US" altLang="zh-CN" b="1" dirty="0"/>
-              <a:t>E</a:t>
-            </a:r>
-            <a:r>
-              <a:rPr lang="en-US" altLang="zh-CN" dirty="0"/>
-              <a:t> = -</a:t>
-            </a:r>
-            <a:r>
-              <a:rPr lang="en-US" altLang="zh-CN" dirty="0" err="1"/>
-              <a:t>gradF</a:t>
-            </a:r>
-            <a:r>
-              <a:rPr lang="en-US" altLang="zh-CN" dirty="0"/>
-              <a:t>(</a:t>
-            </a:r>
-            <a:r>
-              <a:rPr lang="en-US" altLang="zh-CN" dirty="0" err="1"/>
-              <a:t>fai</a:t>
-            </a:r>
-            <a:r>
-              <a:rPr lang="en-US" altLang="zh-CN" dirty="0"/>
-              <a:t>), </a:t>
-            </a:r>
-            <a:r>
-              <a:rPr lang="zh-CN" altLang="en-US" dirty="0"/>
-              <a:t>磁场</a:t>
-            </a:r>
-            <a:r>
-              <a:rPr lang="en-US" altLang="zh-CN" b="1" dirty="0"/>
-              <a:t>B</a:t>
-            </a:r>
-            <a:r>
-              <a:rPr lang="en-US" altLang="zh-CN" dirty="0"/>
-              <a:t> = </a:t>
-            </a:r>
-            <a:r>
-              <a:rPr lang="en-US" altLang="zh-CN" dirty="0" err="1"/>
-              <a:t>curl</a:t>
-            </a:r>
-            <a:r>
-              <a:rPr lang="en-US" altLang="zh-CN" b="1" dirty="0" err="1"/>
-              <a:t>F</a:t>
-            </a:r>
-            <a:r>
-              <a:rPr lang="en-US" altLang="zh-CN" dirty="0"/>
-              <a:t>(</a:t>
-            </a:r>
-            <a:r>
-              <a:rPr lang="en-US" altLang="zh-CN" b="1" dirty="0"/>
-              <a:t>A</a:t>
-            </a:r>
-            <a:r>
-              <a:rPr lang="en-US" altLang="zh-CN" dirty="0"/>
-              <a:t>)</a:t>
-            </a:r>
-            <a:endParaRPr lang="zh-CN" altLang="en-US" dirty="0"/>
-          </a:p>
-        </p:txBody>
-      </p:sp>
-    </p:spTree>
-    <p:extLst>
-      <p:ext uri="{BB962C8B-B14F-4D97-AF65-F5344CB8AC3E}">
-        <p14:creationId xmlns:p14="http://schemas.microsoft.com/office/powerpoint/2010/main" val="1862447365"/>
       </p:ext>
     </p:extLst>
   </p:cSld>
@@ -9025,101 +8715,12 @@
           <a:chExt cx="0" cy="0"/>
         </a:xfrm>
       </p:grpSpPr>
-      <p:pic>
-        <p:nvPicPr>
-          <p:cNvPr id="5" name="内容占位符 4">
-            <a:extLst>
-              <a:ext uri="{FF2B5EF4-FFF2-40B4-BE49-F238E27FC236}">
-                <a16:creationId xmlns:a16="http://schemas.microsoft.com/office/drawing/2014/main" id="{EF236B78-7ABD-922E-7DAC-F30CAC40C8AE}"/>
-              </a:ext>
-            </a:extLst>
-          </p:cNvPr>
-          <p:cNvPicPr>
-            <a:picLocks noGrp="1" noChangeAspect="1"/>
-          </p:cNvPicPr>
-          <p:nvPr>
-            <p:ph idx="1"/>
-          </p:nvPr>
-        </p:nvPicPr>
-        <p:blipFill>
-          <a:blip r:embed="rId2"/>
-          <a:stretch>
-            <a:fillRect/>
-          </a:stretch>
-        </p:blipFill>
-        <p:spPr>
-          <a:xfrm>
-            <a:off x="2336553" y="1103709"/>
-            <a:ext cx="6958721" cy="4351338"/>
-          </a:xfrm>
-        </p:spPr>
-      </p:pic>
-      <p:pic>
-        <p:nvPicPr>
-          <p:cNvPr id="7" name="图片 6">
-            <a:extLst>
-              <a:ext uri="{FF2B5EF4-FFF2-40B4-BE49-F238E27FC236}">
-                <a16:creationId xmlns:a16="http://schemas.microsoft.com/office/drawing/2014/main" id="{8555E457-C753-F32F-2604-0D700DBDE7BA}"/>
-              </a:ext>
-            </a:extLst>
-          </p:cNvPr>
-          <p:cNvPicPr>
-            <a:picLocks noChangeAspect="1"/>
-          </p:cNvPicPr>
-          <p:nvPr/>
-        </p:nvPicPr>
-        <p:blipFill>
-          <a:blip r:embed="rId3"/>
-          <a:stretch>
-            <a:fillRect/>
-          </a:stretch>
-        </p:blipFill>
-        <p:spPr>
-          <a:xfrm>
-            <a:off x="1588228" y="5502973"/>
-            <a:ext cx="8010525" cy="800100"/>
-          </a:xfrm>
-          <a:prstGeom prst="rect">
-            <a:avLst/>
-          </a:prstGeom>
-        </p:spPr>
-      </p:pic>
-      <p:pic>
-        <p:nvPicPr>
-          <p:cNvPr id="9" name="图片 8">
-            <a:extLst>
-              <a:ext uri="{FF2B5EF4-FFF2-40B4-BE49-F238E27FC236}">
-                <a16:creationId xmlns:a16="http://schemas.microsoft.com/office/drawing/2014/main" id="{F79EFF01-9853-9C42-4208-290060484E9C}"/>
-              </a:ext>
-            </a:extLst>
-          </p:cNvPr>
-          <p:cNvPicPr>
-            <a:picLocks noChangeAspect="1"/>
-          </p:cNvPicPr>
-          <p:nvPr/>
-        </p:nvPicPr>
-        <p:blipFill>
-          <a:blip r:embed="rId4"/>
-          <a:stretch>
-            <a:fillRect/>
-          </a:stretch>
-        </p:blipFill>
-        <p:spPr>
-          <a:xfrm>
-            <a:off x="7701348" y="6141148"/>
-            <a:ext cx="1600200" cy="323850"/>
-          </a:xfrm>
-          <a:prstGeom prst="rect">
-            <a:avLst/>
-          </a:prstGeom>
-        </p:spPr>
-      </p:pic>
       <p:sp>
         <p:nvSpPr>
           <p:cNvPr id="2" name="标题 1">
             <a:extLst>
               <a:ext uri="{FF2B5EF4-FFF2-40B4-BE49-F238E27FC236}">
-                <a16:creationId xmlns:a16="http://schemas.microsoft.com/office/drawing/2014/main" id="{7CDD2048-E53C-E5B2-3A35-C15545E901D7}"/>
+                <a16:creationId xmlns:a16="http://schemas.microsoft.com/office/drawing/2014/main" id="{595D674F-39A3-40A8-660C-015ED2BE41F3}"/>
               </a:ext>
             </a:extLst>
           </p:cNvPr>
@@ -9130,24 +8731,165 @@
             <p:ph type="title"/>
           </p:nvPr>
         </p:nvSpPr>
-        <p:spPr>
-          <a:xfrm>
-            <a:off x="714631" y="66738"/>
-            <a:ext cx="10515600" cy="1325563"/>
-          </a:xfrm>
-        </p:spPr>
+        <p:spPr/>
         <p:txBody>
           <a:bodyPr/>
           <a:lstStyle/>
           <a:p>
             <a:r>
               <a:rPr lang="zh-CN" altLang="en-US" dirty="0"/>
-              <a:t>搞定了坐标系，还你一个初中数理</a:t>
-            </a:r>
-            <a:r>
-              <a:rPr lang="en-US" altLang="zh-CN" dirty="0"/>
-              <a:t>!</a:t>
-            </a:r>
+              <a:t>高阶扩展之四元数坐标系</a:t>
+            </a:r>
+          </a:p>
+        </p:txBody>
+      </p:sp>
+      <p:sp>
+        <p:nvSpPr>
+          <p:cNvPr id="3" name="内容占位符 2">
+            <a:extLst>
+              <a:ext uri="{FF2B5EF4-FFF2-40B4-BE49-F238E27FC236}">
+                <a16:creationId xmlns:a16="http://schemas.microsoft.com/office/drawing/2014/main" id="{511C7D54-07F5-CEA6-DF7F-370FB4650A41}"/>
+              </a:ext>
+            </a:extLst>
+          </p:cNvPr>
+          <p:cNvSpPr>
+            <a:spLocks noGrp="1"/>
+          </p:cNvSpPr>
+          <p:nvPr>
+            <p:ph idx="1"/>
+          </p:nvPr>
+        </p:nvSpPr>
+        <p:spPr/>
+        <p:txBody>
+          <a:bodyPr/>
+          <a:lstStyle/>
+          <a:p>
+            <a:r>
+              <a:rPr lang="zh-CN" altLang="en-US" dirty="0"/>
+              <a:t>如果用四元数代替三个方向：</a:t>
+            </a:r>
+            <a:endParaRPr lang="en-US" altLang="zh-CN" dirty="0"/>
+          </a:p>
+          <a:p>
+            <a:pPr marL="457200" lvl="1" indent="0">
+              <a:buNone/>
+            </a:pPr>
+            <a:r>
+              <a:rPr lang="en-US" altLang="zh-CN" dirty="0"/>
+              <a:t>	struct Coord</a:t>
+            </a:r>
+          </a:p>
+          <a:p>
+            <a:pPr marL="457200" lvl="1" indent="0">
+              <a:buNone/>
+            </a:pPr>
+            <a:r>
+              <a:rPr lang="en-US" altLang="zh-CN" dirty="0"/>
+              <a:t>	{	</a:t>
+            </a:r>
+          </a:p>
+          <a:p>
+            <a:pPr marL="457200" lvl="1" indent="0">
+              <a:buNone/>
+            </a:pPr>
+            <a:r>
+              <a:rPr lang="en-US" altLang="zh-CN" dirty="0"/>
+              <a:t>		quaternion </a:t>
+            </a:r>
+            <a:r>
+              <a:rPr lang="en-US" altLang="zh-CN" dirty="0" err="1"/>
+              <a:t>qx,qy,qz</a:t>
+            </a:r>
+            <a:r>
+              <a:rPr lang="en-US" altLang="zh-CN" dirty="0"/>
+              <a:t>; 		</a:t>
+            </a:r>
+            <a:r>
+              <a:rPr lang="en-US" altLang="zh-CN" dirty="0">
+                <a:solidFill>
+                  <a:schemeClr val="accent6"/>
+                </a:solidFill>
+              </a:rPr>
+              <a:t>// </a:t>
+            </a:r>
+            <a:r>
+              <a:rPr lang="zh-CN" altLang="en-US" dirty="0">
+                <a:solidFill>
+                  <a:schemeClr val="accent6"/>
+                </a:solidFill>
+              </a:rPr>
+              <a:t>三个归一化四元数</a:t>
+            </a:r>
+            <a:r>
+              <a:rPr lang="en-US" altLang="zh-CN" dirty="0"/>
+              <a:t>    				vec3 scale; 			</a:t>
+            </a:r>
+            <a:r>
+              <a:rPr lang="en-US" altLang="zh-CN" dirty="0">
+                <a:solidFill>
+                  <a:schemeClr val="accent6"/>
+                </a:solidFill>
+              </a:rPr>
+              <a:t>// </a:t>
+            </a:r>
+            <a:r>
+              <a:rPr lang="zh-CN" altLang="en-US" dirty="0">
+                <a:solidFill>
+                  <a:schemeClr val="accent6"/>
+                </a:solidFill>
+              </a:rPr>
+              <a:t>缩放</a:t>
+            </a:r>
+            <a:endParaRPr lang="en-US" altLang="zh-CN" dirty="0">
+              <a:solidFill>
+                <a:schemeClr val="accent6"/>
+              </a:solidFill>
+            </a:endParaRPr>
+          </a:p>
+          <a:p>
+            <a:pPr marL="457200" lvl="1" indent="0">
+              <a:buNone/>
+            </a:pPr>
+            <a:r>
+              <a:rPr lang="en-US" altLang="zh-CN" dirty="0"/>
+              <a:t>		vec3 o; 			</a:t>
+            </a:r>
+            <a:r>
+              <a:rPr lang="en-US" altLang="zh-CN" dirty="0">
+                <a:solidFill>
+                  <a:schemeClr val="accent6"/>
+                </a:solidFill>
+              </a:rPr>
+              <a:t>// </a:t>
+            </a:r>
+            <a:r>
+              <a:rPr lang="zh-CN" altLang="en-US" dirty="0">
+                <a:solidFill>
+                  <a:schemeClr val="accent6"/>
+                </a:solidFill>
+              </a:rPr>
+              <a:t>原点位置</a:t>
+            </a:r>
+            <a:endParaRPr lang="en-US" altLang="zh-CN" dirty="0">
+              <a:solidFill>
+                <a:schemeClr val="accent6"/>
+              </a:solidFill>
+            </a:endParaRPr>
+          </a:p>
+          <a:p>
+            <a:pPr marL="457200" lvl="1" indent="0">
+              <a:buNone/>
+            </a:pPr>
+            <a:r>
+              <a:rPr lang="en-US" altLang="zh-CN" dirty="0"/>
+              <a:t>	}</a:t>
+            </a:r>
+            <a:endParaRPr lang="zh-CN" altLang="en-US" dirty="0"/>
+          </a:p>
+          <a:p>
+            <a:pPr marL="0" indent="0">
+              <a:buNone/>
+            </a:pPr>
             <a:endParaRPr lang="zh-CN" altLang="en-US" dirty="0"/>
           </a:p>
         </p:txBody>
@@ -9155,7 +8897,7 @@
     </p:spTree>
     <p:extLst>
       <p:ext uri="{BB962C8B-B14F-4D97-AF65-F5344CB8AC3E}">
-        <p14:creationId xmlns:p14="http://schemas.microsoft.com/office/powerpoint/2010/main" val="89865819"/>
+        <p14:creationId xmlns:p14="http://schemas.microsoft.com/office/powerpoint/2010/main" val="31187552"/>
       </p:ext>
     </p:extLst>
   </p:cSld>
@@ -9187,7 +8929,7 @@
           <p:cNvPr id="2" name="标题 1">
             <a:extLst>
               <a:ext uri="{FF2B5EF4-FFF2-40B4-BE49-F238E27FC236}">
-                <a16:creationId xmlns:a16="http://schemas.microsoft.com/office/drawing/2014/main" id="{F0FC8A53-A4D9-37FF-9C22-9D749097C132}"/>
+                <a16:creationId xmlns:a16="http://schemas.microsoft.com/office/drawing/2014/main" id="{113D7878-8A99-D8BB-D4BE-DF706E77705B}"/>
               </a:ext>
             </a:extLst>
           </p:cNvPr>
@@ -9198,9 +8940,504 @@
             <p:ph type="title"/>
           </p:nvPr>
         </p:nvSpPr>
+        <p:spPr/>
+        <p:txBody>
+          <a:bodyPr/>
+          <a:lstStyle/>
+          <a:p>
+            <a:r>
+              <a:rPr lang="zh-CN" altLang="en-US" dirty="0"/>
+              <a:t>高阶扩展之四元数坐标系</a:t>
+            </a:r>
+          </a:p>
+        </p:txBody>
+      </p:sp>
+      <p:sp>
+        <p:nvSpPr>
+          <p:cNvPr id="3" name="内容占位符 2">
+            <a:extLst>
+              <a:ext uri="{FF2B5EF4-FFF2-40B4-BE49-F238E27FC236}">
+                <a16:creationId xmlns:a16="http://schemas.microsoft.com/office/drawing/2014/main" id="{6C089765-0B97-1955-FE5D-FF0CCD33EFA9}"/>
+              </a:ext>
+            </a:extLst>
+          </p:cNvPr>
+          <p:cNvSpPr>
+            <a:spLocks noGrp="1"/>
+          </p:cNvSpPr>
+          <p:nvPr>
+            <p:ph idx="1"/>
+          </p:nvPr>
+        </p:nvSpPr>
+        <p:spPr/>
+        <p:txBody>
+          <a:bodyPr/>
+          <a:lstStyle/>
+          <a:p>
+            <a:r>
+              <a:rPr lang="zh-CN" altLang="en-US" dirty="0"/>
+              <a:t>坐标系向复数系统的扩展对应了 </a:t>
+            </a:r>
+            <a:r>
+              <a:rPr lang="zh-CN" altLang="en-US" b="1" dirty="0"/>
+              <a:t>规范变换</a:t>
+            </a:r>
+            <a:r>
+              <a:rPr lang="en-US" altLang="zh-CN" dirty="0"/>
+              <a:t>(</a:t>
+            </a:r>
+            <a:r>
+              <a:rPr lang="zh-CN" altLang="en-US" dirty="0"/>
+              <a:t>相位角变换）</a:t>
+            </a:r>
+            <a:endParaRPr lang="en-US" altLang="zh-CN" dirty="0"/>
+          </a:p>
+          <a:p>
+            <a:r>
+              <a:rPr lang="zh-CN" altLang="en-US" dirty="0"/>
+              <a:t>四元数来表示电磁场：</a:t>
+            </a:r>
+            <a:endParaRPr lang="en-US" altLang="zh-CN" b="1" dirty="0"/>
+          </a:p>
+          <a:p>
+            <a:pPr marL="0" indent="0">
+              <a:buNone/>
+            </a:pPr>
+            <a:r>
+              <a:rPr lang="en-US" altLang="zh-CN" b="1" dirty="0"/>
+              <a:t>	Q </a:t>
+            </a:r>
+            <a:r>
+              <a:rPr lang="en-US" altLang="zh-CN" dirty="0"/>
+              <a:t>(</a:t>
+            </a:r>
+            <a:r>
+              <a:rPr lang="en-US" altLang="zh-CN" dirty="0" err="1"/>
+              <a:t>fai</a:t>
+            </a:r>
+            <a:r>
+              <a:rPr lang="en-US" altLang="zh-CN" b="1" dirty="0"/>
+              <a:t>, A</a:t>
+            </a:r>
+            <a:r>
+              <a:rPr lang="en-US" altLang="zh-CN" dirty="0"/>
+              <a:t>) = cos(</a:t>
+            </a:r>
+            <a:r>
+              <a:rPr lang="en-US" altLang="zh-CN" dirty="0" err="1"/>
+              <a:t>fai</a:t>
+            </a:r>
+            <a:r>
+              <a:rPr lang="en-US" altLang="zh-CN" dirty="0"/>
+              <a:t>/2) +</a:t>
+            </a:r>
+          </a:p>
+          <a:p>
+            <a:pPr marL="0" indent="0">
+              <a:buNone/>
+            </a:pPr>
+            <a:r>
+              <a:rPr lang="en-US" altLang="zh-CN" dirty="0"/>
+              <a:t>	 </a:t>
+            </a:r>
+            <a:r>
+              <a:rPr lang="en-US" altLang="zh-CN" b="1" dirty="0" err="1"/>
+              <a:t>i</a:t>
+            </a:r>
+            <a:r>
+              <a:rPr lang="en-US" altLang="zh-CN" dirty="0" err="1"/>
+              <a:t>Ax</a:t>
+            </a:r>
+            <a:r>
+              <a:rPr lang="en-US" altLang="zh-CN" dirty="0"/>
+              <a:t> / sin(</a:t>
+            </a:r>
+            <a:r>
+              <a:rPr lang="en-US" altLang="zh-CN" dirty="0" err="1"/>
+              <a:t>fai</a:t>
+            </a:r>
+            <a:r>
+              <a:rPr lang="en-US" altLang="zh-CN" dirty="0"/>
+              <a:t> / 2) + </a:t>
+            </a:r>
+            <a:r>
+              <a:rPr lang="en-US" altLang="zh-CN" b="1" dirty="0" err="1"/>
+              <a:t>j</a:t>
+            </a:r>
+            <a:r>
+              <a:rPr lang="en-US" altLang="zh-CN" dirty="0" err="1"/>
+              <a:t>Ax</a:t>
+            </a:r>
+            <a:r>
+              <a:rPr lang="en-US" altLang="zh-CN" dirty="0"/>
+              <a:t> / sin(</a:t>
+            </a:r>
+            <a:r>
+              <a:rPr lang="en-US" altLang="zh-CN" dirty="0" err="1"/>
+              <a:t>fai</a:t>
+            </a:r>
+            <a:r>
+              <a:rPr lang="en-US" altLang="zh-CN" dirty="0"/>
+              <a:t> / 2) + </a:t>
+            </a:r>
+            <a:r>
+              <a:rPr lang="en-US" altLang="zh-CN" b="1" dirty="0" err="1"/>
+              <a:t>k</a:t>
+            </a:r>
+            <a:r>
+              <a:rPr lang="en-US" altLang="zh-CN" dirty="0" err="1"/>
+              <a:t>Ax</a:t>
+            </a:r>
+            <a:r>
+              <a:rPr lang="en-US" altLang="zh-CN" dirty="0"/>
+              <a:t> / sin(</a:t>
+            </a:r>
+            <a:r>
+              <a:rPr lang="en-US" altLang="zh-CN" dirty="0" err="1"/>
+              <a:t>fai</a:t>
+            </a:r>
+            <a:r>
+              <a:rPr lang="en-US" altLang="zh-CN" dirty="0"/>
+              <a:t> / 2) </a:t>
+            </a:r>
+          </a:p>
+          <a:p>
+            <a:pPr marL="0" indent="0">
+              <a:buNone/>
+            </a:pPr>
+            <a:r>
+              <a:rPr lang="en-US" altLang="zh-CN" b="1" dirty="0"/>
+              <a:t>	</a:t>
+            </a:r>
+            <a:r>
+              <a:rPr lang="en-US" altLang="zh-CN" dirty="0"/>
+              <a:t> </a:t>
+            </a:r>
+            <a:r>
+              <a:rPr lang="en-US" altLang="zh-CN" dirty="0" err="1"/>
+              <a:t>fai</a:t>
+            </a:r>
+            <a:r>
+              <a:rPr lang="en-US" altLang="zh-CN" b="1" dirty="0"/>
+              <a:t> </a:t>
+            </a:r>
+            <a:r>
+              <a:rPr lang="en-US" altLang="zh-CN" dirty="0"/>
+              <a:t>– </a:t>
+            </a:r>
+            <a:r>
+              <a:rPr lang="zh-CN" altLang="en-US" dirty="0"/>
+              <a:t>相位角</a:t>
+            </a:r>
+            <a:r>
+              <a:rPr lang="zh-CN" altLang="en-US" b="1" dirty="0"/>
+              <a:t>，</a:t>
+            </a:r>
+            <a:r>
+              <a:rPr lang="en-US" altLang="zh-CN" b="1" dirty="0"/>
+              <a:t>A </a:t>
+            </a:r>
+            <a:r>
+              <a:rPr lang="en-US" altLang="zh-CN" dirty="0"/>
+              <a:t>– </a:t>
+            </a:r>
+            <a:r>
+              <a:rPr lang="zh-CN" altLang="en-US" dirty="0"/>
+              <a:t>势场</a:t>
+            </a:r>
+            <a:endParaRPr lang="en-US" altLang="zh-CN" dirty="0"/>
+          </a:p>
+          <a:p>
+            <a:pPr marL="0" indent="0">
+              <a:buNone/>
+            </a:pPr>
+            <a:r>
+              <a:rPr lang="en-US" altLang="zh-CN" dirty="0"/>
+              <a:t>    </a:t>
+            </a:r>
+            <a:r>
+              <a:rPr lang="zh-CN" altLang="en-US" dirty="0"/>
+              <a:t>对于稳态电磁场：</a:t>
+            </a:r>
+            <a:endParaRPr lang="en-US" altLang="zh-CN" dirty="0"/>
+          </a:p>
+          <a:p>
+            <a:pPr marL="0" indent="0">
+              <a:buNone/>
+            </a:pPr>
+            <a:r>
+              <a:rPr lang="en-US" altLang="zh-CN" dirty="0"/>
+              <a:t>	</a:t>
+            </a:r>
+            <a:r>
+              <a:rPr lang="zh-CN" altLang="en-US" dirty="0"/>
+              <a:t>电场</a:t>
+            </a:r>
+            <a:r>
+              <a:rPr lang="en-US" altLang="zh-CN" b="1" dirty="0"/>
+              <a:t>E</a:t>
+            </a:r>
+            <a:r>
+              <a:rPr lang="en-US" altLang="zh-CN" dirty="0"/>
+              <a:t> = -</a:t>
+            </a:r>
+            <a:r>
+              <a:rPr lang="en-US" altLang="zh-CN" dirty="0" err="1"/>
+              <a:t>gradF</a:t>
+            </a:r>
+            <a:r>
+              <a:rPr lang="en-US" altLang="zh-CN" dirty="0"/>
+              <a:t>(</a:t>
+            </a:r>
+            <a:r>
+              <a:rPr lang="en-US" altLang="zh-CN" dirty="0" err="1"/>
+              <a:t>fai</a:t>
+            </a:r>
+            <a:r>
+              <a:rPr lang="en-US" altLang="zh-CN" dirty="0"/>
+              <a:t>), </a:t>
+            </a:r>
+            <a:r>
+              <a:rPr lang="zh-CN" altLang="en-US" dirty="0"/>
+              <a:t>磁场</a:t>
+            </a:r>
+            <a:r>
+              <a:rPr lang="en-US" altLang="zh-CN" b="1" dirty="0"/>
+              <a:t>B</a:t>
+            </a:r>
+            <a:r>
+              <a:rPr lang="en-US" altLang="zh-CN" dirty="0"/>
+              <a:t> = </a:t>
+            </a:r>
+            <a:r>
+              <a:rPr lang="en-US" altLang="zh-CN" dirty="0" err="1"/>
+              <a:t>curl</a:t>
+            </a:r>
+            <a:r>
+              <a:rPr lang="en-US" altLang="zh-CN" b="1" dirty="0" err="1"/>
+              <a:t>F</a:t>
+            </a:r>
+            <a:r>
+              <a:rPr lang="en-US" altLang="zh-CN" dirty="0"/>
+              <a:t>(</a:t>
+            </a:r>
+            <a:r>
+              <a:rPr lang="en-US" altLang="zh-CN" b="1" dirty="0"/>
+              <a:t>A</a:t>
+            </a:r>
+            <a:r>
+              <a:rPr lang="en-US" altLang="zh-CN" dirty="0"/>
+              <a:t>)</a:t>
+            </a:r>
+            <a:endParaRPr lang="zh-CN" altLang="en-US" dirty="0"/>
+          </a:p>
+        </p:txBody>
+      </p:sp>
+    </p:spTree>
+    <p:extLst>
+      <p:ext uri="{BB962C8B-B14F-4D97-AF65-F5344CB8AC3E}">
+        <p14:creationId xmlns:p14="http://schemas.microsoft.com/office/powerpoint/2010/main" val="1862447365"/>
+      </p:ext>
+    </p:extLst>
+  </p:cSld>
+  <p:clrMapOvr>
+    <a:masterClrMapping/>
+  </p:clrMapOvr>
+</p:sld>
+</file>
+
+<file path=ppt/slides/slide32.xml><?xml version="1.0" encoding="utf-8"?>
+<p:sld xmlns:a="http://schemas.openxmlformats.org/drawingml/2006/main" xmlns:r="http://schemas.openxmlformats.org/officeDocument/2006/relationships" xmlns:p="http://schemas.openxmlformats.org/presentationml/2006/main">
+  <p:cSld>
+    <p:spTree>
+      <p:nvGrpSpPr>
+        <p:cNvPr id="1" name=""/>
+        <p:cNvGrpSpPr/>
+        <p:nvPr/>
+      </p:nvGrpSpPr>
+      <p:grpSpPr>
+        <a:xfrm>
+          <a:off x="0" y="0"/>
+          <a:ext cx="0" cy="0"/>
+          <a:chOff x="0" y="0"/>
+          <a:chExt cx="0" cy="0"/>
+        </a:xfrm>
+      </p:grpSpPr>
+      <p:pic>
+        <p:nvPicPr>
+          <p:cNvPr id="5" name="内容占位符 4">
+            <a:extLst>
+              <a:ext uri="{FF2B5EF4-FFF2-40B4-BE49-F238E27FC236}">
+                <a16:creationId xmlns:a16="http://schemas.microsoft.com/office/drawing/2014/main" id="{EF236B78-7ABD-922E-7DAC-F30CAC40C8AE}"/>
+              </a:ext>
+            </a:extLst>
+          </p:cNvPr>
+          <p:cNvPicPr>
+            <a:picLocks noGrp="1" noChangeAspect="1"/>
+          </p:cNvPicPr>
+          <p:nvPr>
+            <p:ph idx="1"/>
+          </p:nvPr>
+        </p:nvPicPr>
+        <p:blipFill>
+          <a:blip r:embed="rId2"/>
+          <a:stretch>
+            <a:fillRect/>
+          </a:stretch>
+        </p:blipFill>
         <p:spPr>
           <a:xfrm>
-            <a:off x="4105121" y="1909102"/>
+            <a:off x="2336553" y="1103709"/>
+            <a:ext cx="6958721" cy="4351338"/>
+          </a:xfrm>
+        </p:spPr>
+      </p:pic>
+      <p:pic>
+        <p:nvPicPr>
+          <p:cNvPr id="7" name="图片 6">
+            <a:extLst>
+              <a:ext uri="{FF2B5EF4-FFF2-40B4-BE49-F238E27FC236}">
+                <a16:creationId xmlns:a16="http://schemas.microsoft.com/office/drawing/2014/main" id="{8555E457-C753-F32F-2604-0D700DBDE7BA}"/>
+              </a:ext>
+            </a:extLst>
+          </p:cNvPr>
+          <p:cNvPicPr>
+            <a:picLocks noChangeAspect="1"/>
+          </p:cNvPicPr>
+          <p:nvPr/>
+        </p:nvPicPr>
+        <p:blipFill>
+          <a:blip r:embed="rId3"/>
+          <a:stretch>
+            <a:fillRect/>
+          </a:stretch>
+        </p:blipFill>
+        <p:spPr>
+          <a:xfrm>
+            <a:off x="1588228" y="5502973"/>
+            <a:ext cx="8010525" cy="800100"/>
+          </a:xfrm>
+          <a:prstGeom prst="rect">
+            <a:avLst/>
+          </a:prstGeom>
+        </p:spPr>
+      </p:pic>
+      <p:pic>
+        <p:nvPicPr>
+          <p:cNvPr id="9" name="图片 8">
+            <a:extLst>
+              <a:ext uri="{FF2B5EF4-FFF2-40B4-BE49-F238E27FC236}">
+                <a16:creationId xmlns:a16="http://schemas.microsoft.com/office/drawing/2014/main" id="{F79EFF01-9853-9C42-4208-290060484E9C}"/>
+              </a:ext>
+            </a:extLst>
+          </p:cNvPr>
+          <p:cNvPicPr>
+            <a:picLocks noChangeAspect="1"/>
+          </p:cNvPicPr>
+          <p:nvPr/>
+        </p:nvPicPr>
+        <p:blipFill>
+          <a:blip r:embed="rId4"/>
+          <a:stretch>
+            <a:fillRect/>
+          </a:stretch>
+        </p:blipFill>
+        <p:spPr>
+          <a:xfrm>
+            <a:off x="7701348" y="6141148"/>
+            <a:ext cx="1600200" cy="323850"/>
+          </a:xfrm>
+          <a:prstGeom prst="rect">
+            <a:avLst/>
+          </a:prstGeom>
+        </p:spPr>
+      </p:pic>
+      <p:sp>
+        <p:nvSpPr>
+          <p:cNvPr id="2" name="标题 1">
+            <a:extLst>
+              <a:ext uri="{FF2B5EF4-FFF2-40B4-BE49-F238E27FC236}">
+                <a16:creationId xmlns:a16="http://schemas.microsoft.com/office/drawing/2014/main" id="{7CDD2048-E53C-E5B2-3A35-C15545E901D7}"/>
+              </a:ext>
+            </a:extLst>
+          </p:cNvPr>
+          <p:cNvSpPr>
+            <a:spLocks noGrp="1"/>
+          </p:cNvSpPr>
+          <p:nvPr>
+            <p:ph type="title"/>
+          </p:nvPr>
+        </p:nvSpPr>
+        <p:spPr>
+          <a:xfrm>
+            <a:off x="714631" y="66738"/>
+            <a:ext cx="10515600" cy="1325563"/>
+          </a:xfrm>
+        </p:spPr>
+        <p:txBody>
+          <a:bodyPr/>
+          <a:lstStyle/>
+          <a:p>
+            <a:r>
+              <a:rPr lang="zh-CN" altLang="en-US" dirty="0"/>
+              <a:t>搞定了坐标系，还你一个初中数理</a:t>
+            </a:r>
+            <a:r>
+              <a:rPr lang="en-US" altLang="zh-CN" dirty="0"/>
+              <a:t>!</a:t>
+            </a:r>
+            <a:endParaRPr lang="zh-CN" altLang="en-US" dirty="0"/>
+          </a:p>
+        </p:txBody>
+      </p:sp>
+    </p:spTree>
+    <p:extLst>
+      <p:ext uri="{BB962C8B-B14F-4D97-AF65-F5344CB8AC3E}">
+        <p14:creationId xmlns:p14="http://schemas.microsoft.com/office/powerpoint/2010/main" val="89865819"/>
+      </p:ext>
+    </p:extLst>
+  </p:cSld>
+  <p:clrMapOvr>
+    <a:masterClrMapping/>
+  </p:clrMapOvr>
+</p:sld>
+</file>
+
+<file path=ppt/slides/slide33.xml><?xml version="1.0" encoding="utf-8"?>
+<p:sld xmlns:a="http://schemas.openxmlformats.org/drawingml/2006/main" xmlns:r="http://schemas.openxmlformats.org/officeDocument/2006/relationships" xmlns:p="http://schemas.openxmlformats.org/presentationml/2006/main">
+  <p:cSld>
+    <p:spTree>
+      <p:nvGrpSpPr>
+        <p:cNvPr id="1" name=""/>
+        <p:cNvGrpSpPr/>
+        <p:nvPr/>
+      </p:nvGrpSpPr>
+      <p:grpSpPr>
+        <a:xfrm>
+          <a:off x="0" y="0"/>
+          <a:ext cx="0" cy="0"/>
+          <a:chOff x="0" y="0"/>
+          <a:chExt cx="0" cy="0"/>
+        </a:xfrm>
+      </p:grpSpPr>
+      <p:sp>
+        <p:nvSpPr>
+          <p:cNvPr id="2" name="标题 1">
+            <a:extLst>
+              <a:ext uri="{FF2B5EF4-FFF2-40B4-BE49-F238E27FC236}">
+                <a16:creationId xmlns:a16="http://schemas.microsoft.com/office/drawing/2014/main" id="{F0FC8A53-A4D9-37FF-9C22-9D749097C132}"/>
+              </a:ext>
+            </a:extLst>
+          </p:cNvPr>
+          <p:cNvSpPr>
+            <a:spLocks noGrp="1"/>
+          </p:cNvSpPr>
+          <p:nvPr>
+            <p:ph type="title"/>
+          </p:nvPr>
+        </p:nvSpPr>
+        <p:spPr>
+          <a:xfrm>
+            <a:off x="3610851" y="2189188"/>
             <a:ext cx="4411980" cy="1325563"/>
           </a:xfrm>
         </p:spPr>
@@ -9212,7 +9449,7 @@
           <a:p>
             <a:pPr algn="just"/>
             <a:r>
-              <a:rPr lang="zh-CN" altLang="en-US" sz="6000" b="1" dirty="0"/>
+              <a:rPr lang="zh-CN" altLang="en-US" sz="8000" b="1" dirty="0"/>
               <a:t>谢谢观看</a:t>
             </a:r>
           </a:p>

--- a/坐标系.pptx
+++ b/坐标系.pptx
@@ -34,10 +34,11 @@
     <p:sldId id="285" r:id="rId28"/>
     <p:sldId id="278" r:id="rId29"/>
     <p:sldId id="286" r:id="rId30"/>
-    <p:sldId id="279" r:id="rId31"/>
-    <p:sldId id="287" r:id="rId32"/>
-    <p:sldId id="276" r:id="rId33"/>
-    <p:sldId id="266" r:id="rId34"/>
+    <p:sldId id="290" r:id="rId31"/>
+    <p:sldId id="279" r:id="rId32"/>
+    <p:sldId id="287" r:id="rId33"/>
+    <p:sldId id="276" r:id="rId34"/>
+    <p:sldId id="266" r:id="rId35"/>
   </p:sldIdLst>
   <p:sldSz cx="12192000" cy="6858000"/>
   <p:notesSz cx="6858000" cy="9144000"/>
@@ -291,7 +292,7 @@
           <a:p>
             <a:fld id="{1362AB05-36D8-4A33-BF8B-2C7BB1AD9EDC}" type="datetimeFigureOut">
               <a:rPr lang="zh-CN" altLang="en-US" smtClean="0"/>
-              <a:t>2022/9/14</a:t>
+              <a:t>2022/9/16</a:t>
             </a:fld>
             <a:endParaRPr lang="zh-CN" altLang="en-US"/>
           </a:p>
@@ -489,7 +490,7 @@
           <a:p>
             <a:fld id="{1362AB05-36D8-4A33-BF8B-2C7BB1AD9EDC}" type="datetimeFigureOut">
               <a:rPr lang="zh-CN" altLang="en-US" smtClean="0"/>
-              <a:t>2022/9/14</a:t>
+              <a:t>2022/9/16</a:t>
             </a:fld>
             <a:endParaRPr lang="zh-CN" altLang="en-US"/>
           </a:p>
@@ -697,7 +698,7 @@
           <a:p>
             <a:fld id="{1362AB05-36D8-4A33-BF8B-2C7BB1AD9EDC}" type="datetimeFigureOut">
               <a:rPr lang="zh-CN" altLang="en-US" smtClean="0"/>
-              <a:t>2022/9/14</a:t>
+              <a:t>2022/9/16</a:t>
             </a:fld>
             <a:endParaRPr lang="zh-CN" altLang="en-US"/>
           </a:p>
@@ -895,7 +896,7 @@
           <a:p>
             <a:fld id="{1362AB05-36D8-4A33-BF8B-2C7BB1AD9EDC}" type="datetimeFigureOut">
               <a:rPr lang="zh-CN" altLang="en-US" smtClean="0"/>
-              <a:t>2022/9/14</a:t>
+              <a:t>2022/9/16</a:t>
             </a:fld>
             <a:endParaRPr lang="zh-CN" altLang="en-US"/>
           </a:p>
@@ -1170,7 +1171,7 @@
           <a:p>
             <a:fld id="{1362AB05-36D8-4A33-BF8B-2C7BB1AD9EDC}" type="datetimeFigureOut">
               <a:rPr lang="zh-CN" altLang="en-US" smtClean="0"/>
-              <a:t>2022/9/14</a:t>
+              <a:t>2022/9/16</a:t>
             </a:fld>
             <a:endParaRPr lang="zh-CN" altLang="en-US"/>
           </a:p>
@@ -1435,7 +1436,7 @@
           <a:p>
             <a:fld id="{1362AB05-36D8-4A33-BF8B-2C7BB1AD9EDC}" type="datetimeFigureOut">
               <a:rPr lang="zh-CN" altLang="en-US" smtClean="0"/>
-              <a:t>2022/9/14</a:t>
+              <a:t>2022/9/16</a:t>
             </a:fld>
             <a:endParaRPr lang="zh-CN" altLang="en-US"/>
           </a:p>
@@ -1847,7 +1848,7 @@
           <a:p>
             <a:fld id="{1362AB05-36D8-4A33-BF8B-2C7BB1AD9EDC}" type="datetimeFigureOut">
               <a:rPr lang="zh-CN" altLang="en-US" smtClean="0"/>
-              <a:t>2022/9/14</a:t>
+              <a:t>2022/9/16</a:t>
             </a:fld>
             <a:endParaRPr lang="zh-CN" altLang="en-US"/>
           </a:p>
@@ -1988,7 +1989,7 @@
           <a:p>
             <a:fld id="{1362AB05-36D8-4A33-BF8B-2C7BB1AD9EDC}" type="datetimeFigureOut">
               <a:rPr lang="zh-CN" altLang="en-US" smtClean="0"/>
-              <a:t>2022/9/14</a:t>
+              <a:t>2022/9/16</a:t>
             </a:fld>
             <a:endParaRPr lang="zh-CN" altLang="en-US"/>
           </a:p>
@@ -2101,7 +2102,7 @@
           <a:p>
             <a:fld id="{1362AB05-36D8-4A33-BF8B-2C7BB1AD9EDC}" type="datetimeFigureOut">
               <a:rPr lang="zh-CN" altLang="en-US" smtClean="0"/>
-              <a:t>2022/9/14</a:t>
+              <a:t>2022/9/16</a:t>
             </a:fld>
             <a:endParaRPr lang="zh-CN" altLang="en-US"/>
           </a:p>
@@ -2412,7 +2413,7 @@
           <a:p>
             <a:fld id="{1362AB05-36D8-4A33-BF8B-2C7BB1AD9EDC}" type="datetimeFigureOut">
               <a:rPr lang="zh-CN" altLang="en-US" smtClean="0"/>
-              <a:t>2022/9/14</a:t>
+              <a:t>2022/9/16</a:t>
             </a:fld>
             <a:endParaRPr lang="zh-CN" altLang="en-US"/>
           </a:p>
@@ -2700,7 +2701,7 @@
           <a:p>
             <a:fld id="{1362AB05-36D8-4A33-BF8B-2C7BB1AD9EDC}" type="datetimeFigureOut">
               <a:rPr lang="zh-CN" altLang="en-US" smtClean="0"/>
-              <a:t>2022/9/14</a:t>
+              <a:t>2022/9/16</a:t>
             </a:fld>
             <a:endParaRPr lang="zh-CN" altLang="en-US"/>
           </a:p>
@@ -2941,7 +2942,7 @@
           <a:p>
             <a:fld id="{1362AB05-36D8-4A33-BF8B-2C7BB1AD9EDC}" type="datetimeFigureOut">
               <a:rPr lang="zh-CN" altLang="en-US" smtClean="0"/>
-              <a:t>2022/9/14</a:t>
+              <a:t>2022/9/16</a:t>
             </a:fld>
             <a:endParaRPr lang="zh-CN" altLang="en-US"/>
           </a:p>
@@ -7303,7 +7304,15 @@
             </a:pPr>
             <a:r>
               <a:rPr lang="en-US" altLang="zh-CN" dirty="0"/>
-              <a:t>		vec3 </a:t>
+              <a:t>		</a:t>
+            </a:r>
+            <a:r>
+              <a:rPr lang="en-US" altLang="zh-CN" dirty="0" err="1"/>
+              <a:t>coord</a:t>
+            </a:r>
+            <a:r>
+              <a:rPr lang="en-US" altLang="zh-CN" dirty="0"/>
+              <a:t> </a:t>
             </a:r>
             <a:r>
               <a:rPr lang="en-US" altLang="zh-CN" dirty="0" err="1"/>
@@ -7369,38 +7378,8 @@
         </p:blipFill>
         <p:spPr>
           <a:xfrm>
-            <a:off x="5536213" y="3115962"/>
+            <a:off x="3034082" y="2999584"/>
             <a:ext cx="2445221" cy="2372047"/>
-          </a:xfrm>
-          <a:prstGeom prst="rect">
-            <a:avLst/>
-          </a:prstGeom>
-        </p:spPr>
-      </p:pic>
-      <p:pic>
-        <p:nvPicPr>
-          <p:cNvPr id="7" name="图片 6">
-            <a:extLst>
-              <a:ext uri="{FF2B5EF4-FFF2-40B4-BE49-F238E27FC236}">
-                <a16:creationId xmlns:a16="http://schemas.microsoft.com/office/drawing/2014/main" id="{45D9EFEC-05B4-9EE7-F84B-B8BE99A1F3FB}"/>
-              </a:ext>
-            </a:extLst>
-          </p:cNvPr>
-          <p:cNvPicPr>
-            <a:picLocks noChangeAspect="1"/>
-          </p:cNvPicPr>
-          <p:nvPr/>
-        </p:nvPicPr>
-        <p:blipFill>
-          <a:blip r:embed="rId3"/>
-          <a:stretch>
-            <a:fillRect/>
-          </a:stretch>
-        </p:blipFill>
-        <p:spPr>
-          <a:xfrm>
-            <a:off x="1272746" y="3733800"/>
-            <a:ext cx="3352800" cy="1552575"/>
           </a:xfrm>
           <a:prstGeom prst="rect">
             <a:avLst/>
@@ -8720,7 +8699,7 @@
           <p:cNvPr id="2" name="标题 1">
             <a:extLst>
               <a:ext uri="{FF2B5EF4-FFF2-40B4-BE49-F238E27FC236}">
-                <a16:creationId xmlns:a16="http://schemas.microsoft.com/office/drawing/2014/main" id="{595D674F-39A3-40A8-660C-015ED2BE41F3}"/>
+                <a16:creationId xmlns:a16="http://schemas.microsoft.com/office/drawing/2014/main" id="{26F244C2-D57F-AF21-740E-0E4A6B833BA4}"/>
               </a:ext>
             </a:extLst>
           </p:cNvPr>
@@ -8738,7 +8717,7 @@
           <a:p>
             <a:r>
               <a:rPr lang="zh-CN" altLang="en-US" dirty="0"/>
-              <a:t>高阶扩展之四元数坐标系</a:t>
+              <a:t>坐标系求曲率</a:t>
             </a:r>
           </a:p>
         </p:txBody>
@@ -8748,7 +8727,7 @@
           <p:cNvPr id="3" name="内容占位符 2">
             <a:extLst>
               <a:ext uri="{FF2B5EF4-FFF2-40B4-BE49-F238E27FC236}">
-                <a16:creationId xmlns:a16="http://schemas.microsoft.com/office/drawing/2014/main" id="{511C7D54-07F5-CEA6-DF7F-370FB4650A41}"/>
+                <a16:creationId xmlns:a16="http://schemas.microsoft.com/office/drawing/2014/main" id="{7F05FC3A-1F09-76AA-FADA-437AF3D212E0}"/>
               </a:ext>
             </a:extLst>
           </p:cNvPr>
@@ -8766,138 +8745,107 @@
           <a:p>
             <a:r>
               <a:rPr lang="zh-CN" altLang="en-US" dirty="0"/>
-              <a:t>如果用四元数代替三个方向：</a:t>
+              <a:t>坐标系在有些情况下是非正交的（三个轴夹角不是</a:t>
+            </a:r>
+            <a:r>
+              <a:rPr lang="en-US" altLang="zh-CN" dirty="0"/>
+              <a:t>90</a:t>
+            </a:r>
+            <a:r>
+              <a:rPr lang="zh-CN" altLang="en-US" dirty="0"/>
+              <a:t>度）</a:t>
             </a:r>
             <a:endParaRPr lang="en-US" altLang="zh-CN" dirty="0"/>
           </a:p>
           <a:p>
+            <a:r>
+              <a:rPr lang="zh-CN" altLang="en-US" dirty="0"/>
+              <a:t>向量从一点出发做两次相互垂直的旋转变换，最终得到的向量跟路径有关系：</a:t>
+            </a:r>
+            <a:endParaRPr lang="en-US" altLang="zh-CN" dirty="0"/>
+          </a:p>
+          <a:p>
             <a:pPr marL="457200" lvl="1" indent="0">
               <a:buNone/>
             </a:pPr>
             <a:r>
               <a:rPr lang="en-US" altLang="zh-CN" dirty="0"/>
-              <a:t>	struct Coord</a:t>
-            </a:r>
-          </a:p>
-          <a:p>
-            <a:pPr marL="457200" lvl="1" indent="0">
-              <a:buNone/>
-            </a:pPr>
-            <a:r>
-              <a:rPr lang="en-US" altLang="zh-CN" dirty="0"/>
-              <a:t>	{	</a:t>
-            </a:r>
-          </a:p>
-          <a:p>
-            <a:pPr marL="457200" lvl="1" indent="0">
-              <a:buNone/>
-            </a:pPr>
-            <a:r>
-              <a:rPr lang="en-US" altLang="zh-CN" dirty="0"/>
-              <a:t>		quaternion </a:t>
+              <a:t>			</a:t>
             </a:r>
             <a:r>
               <a:rPr lang="en-US" altLang="zh-CN" dirty="0" err="1"/>
-              <a:t>qx,qy,qz</a:t>
-            </a:r>
-            <a:r>
-              <a:rPr lang="en-US" altLang="zh-CN" dirty="0"/>
-              <a:t>; 		</a:t>
-            </a:r>
-            <a:r>
-              <a:rPr lang="en-US" altLang="zh-CN" dirty="0">
-                <a:solidFill>
-                  <a:schemeClr val="accent6"/>
-                </a:solidFill>
-              </a:rPr>
-              <a:t>// </a:t>
-            </a:r>
-            <a:r>
-              <a:rPr lang="zh-CN" altLang="en-US" dirty="0">
-                <a:solidFill>
-                  <a:schemeClr val="accent6"/>
-                </a:solidFill>
-              </a:rPr>
-              <a:t>三个归一化四元数</a:t>
-            </a:r>
-            <a:r>
-              <a:rPr lang="en-US" altLang="zh-CN" dirty="0"/>
-              <a:t>    				vec3 scale; 			</a:t>
-            </a:r>
-            <a:r>
-              <a:rPr lang="en-US" altLang="zh-CN" dirty="0">
-                <a:solidFill>
-                  <a:schemeClr val="accent6"/>
-                </a:solidFill>
-              </a:rPr>
-              <a:t>// </a:t>
-            </a:r>
-            <a:r>
-              <a:rPr lang="zh-CN" altLang="en-US" dirty="0">
-                <a:solidFill>
-                  <a:schemeClr val="accent6"/>
-                </a:solidFill>
-              </a:rPr>
-              <a:t>缩放</a:t>
-            </a:r>
-            <a:endParaRPr lang="en-US" altLang="zh-CN" dirty="0">
-              <a:solidFill>
-                <a:schemeClr val="accent6"/>
-              </a:solidFill>
-            </a:endParaRPr>
-          </a:p>
-          <a:p>
-            <a:pPr marL="457200" lvl="1" indent="0">
-              <a:buNone/>
-            </a:pPr>
-            <a:r>
-              <a:rPr lang="en-US" altLang="zh-CN" dirty="0"/>
-              <a:t>		vec3 o; 			</a:t>
-            </a:r>
-            <a:r>
-              <a:rPr lang="en-US" altLang="zh-CN" dirty="0">
-                <a:solidFill>
-                  <a:schemeClr val="accent6"/>
-                </a:solidFill>
-              </a:rPr>
-              <a:t>// </a:t>
-            </a:r>
-            <a:r>
-              <a:rPr lang="zh-CN" altLang="en-US" dirty="0">
-                <a:solidFill>
-                  <a:schemeClr val="accent6"/>
-                </a:solidFill>
-              </a:rPr>
-              <a:t>原点位置</a:t>
-            </a:r>
-            <a:endParaRPr lang="en-US" altLang="zh-CN" dirty="0">
-              <a:solidFill>
-                <a:schemeClr val="accent6"/>
-              </a:solidFill>
-            </a:endParaRPr>
-          </a:p>
-          <a:p>
-            <a:pPr marL="457200" lvl="1" indent="0">
-              <a:buNone/>
-            </a:pPr>
-            <a:r>
-              <a:rPr lang="en-US" altLang="zh-CN" dirty="0"/>
-              <a:t>	}</a:t>
-            </a:r>
+              <a:t>Cx</a:t>
+            </a:r>
+            <a:r>
+              <a:rPr lang="en-US" altLang="zh-CN" dirty="0"/>
+              <a:t>*Cy – Cy*</a:t>
+            </a:r>
+            <a:r>
+              <a:rPr lang="en-US" altLang="zh-CN" dirty="0" err="1"/>
+              <a:t>Cx</a:t>
+            </a:r>
+            <a:r>
+              <a:rPr lang="en-US" altLang="zh-CN" dirty="0"/>
+              <a:t> != 0</a:t>
+            </a:r>
+            <a:r>
+              <a:rPr lang="zh-CN" altLang="en-US" dirty="0"/>
+              <a:t>。</a:t>
+            </a:r>
+            <a:endParaRPr lang="en-US" altLang="zh-CN" dirty="0"/>
+          </a:p>
+          <a:p>
+            <a:r>
+              <a:rPr lang="zh-CN" altLang="en-US" dirty="0"/>
+              <a:t>两次变换得到一个坐标系差，求坐标系的点乘 对应了黎曼曲率张量</a:t>
+            </a:r>
+            <a:endParaRPr lang="en-US" altLang="zh-CN" dirty="0"/>
+          </a:p>
+          <a:p>
             <a:endParaRPr lang="zh-CN" altLang="en-US" dirty="0"/>
           </a:p>
-          <a:p>
-            <a:pPr marL="0" indent="0">
-              <a:buNone/>
-            </a:pPr>
-            <a:endParaRPr lang="zh-CN" altLang="en-US" dirty="0"/>
-          </a:p>
-        </p:txBody>
-      </p:sp>
+        </p:txBody>
+      </p:sp>
+      <p:pic>
+        <p:nvPicPr>
+          <p:cNvPr id="5" name="图片 4">
+            <a:extLst>
+              <a:ext uri="{FF2B5EF4-FFF2-40B4-BE49-F238E27FC236}">
+                <a16:creationId xmlns:a16="http://schemas.microsoft.com/office/drawing/2014/main" id="{5CB414A0-D1E5-84B6-1C93-217D1A8670E2}"/>
+              </a:ext>
+            </a:extLst>
+          </p:cNvPr>
+          <p:cNvPicPr>
+            <a:picLocks noChangeAspect="1"/>
+          </p:cNvPicPr>
+          <p:nvPr/>
+        </p:nvPicPr>
+        <p:blipFill>
+          <a:blip r:embed="rId2">
+            <a:extLst>
+              <a:ext uri="{28A0092B-C50C-407E-A947-70E740481C1C}">
+                <a14:useLocalDpi xmlns:a14="http://schemas.microsoft.com/office/drawing/2010/main" val="0"/>
+              </a:ext>
+            </a:extLst>
+          </a:blip>
+          <a:stretch>
+            <a:fillRect/>
+          </a:stretch>
+        </p:blipFill>
+        <p:spPr>
+          <a:xfrm>
+            <a:off x="6221384" y="4225983"/>
+            <a:ext cx="3562598" cy="2341707"/>
+          </a:xfrm>
+          <a:prstGeom prst="rect">
+            <a:avLst/>
+          </a:prstGeom>
+        </p:spPr>
+      </p:pic>
     </p:spTree>
     <p:extLst>
       <p:ext uri="{BB962C8B-B14F-4D97-AF65-F5344CB8AC3E}">
-        <p14:creationId xmlns:p14="http://schemas.microsoft.com/office/powerpoint/2010/main" val="31187552"/>
+        <p14:creationId xmlns:p14="http://schemas.microsoft.com/office/powerpoint/2010/main" val="3494603188"/>
       </p:ext>
     </p:extLst>
   </p:cSld>
@@ -8929,7 +8877,7 @@
           <p:cNvPr id="2" name="标题 1">
             <a:extLst>
               <a:ext uri="{FF2B5EF4-FFF2-40B4-BE49-F238E27FC236}">
-                <a16:creationId xmlns:a16="http://schemas.microsoft.com/office/drawing/2014/main" id="{113D7878-8A99-D8BB-D4BE-DF706E77705B}"/>
+                <a16:creationId xmlns:a16="http://schemas.microsoft.com/office/drawing/2014/main" id="{595D674F-39A3-40A8-660C-015ED2BE41F3}"/>
               </a:ext>
             </a:extLst>
           </p:cNvPr>
@@ -8957,7 +8905,7 @@
           <p:cNvPr id="3" name="内容占位符 2">
             <a:extLst>
               <a:ext uri="{FF2B5EF4-FFF2-40B4-BE49-F238E27FC236}">
-                <a16:creationId xmlns:a16="http://schemas.microsoft.com/office/drawing/2014/main" id="{6C089765-0B97-1955-FE5D-FF0CCD33EFA9}"/>
+                <a16:creationId xmlns:a16="http://schemas.microsoft.com/office/drawing/2014/main" id="{511C7D54-07F5-CEA6-DF7F-370FB4650A41}"/>
               </a:ext>
             </a:extLst>
           </p:cNvPr>
@@ -8975,259 +8923,130 @@
           <a:p>
             <a:r>
               <a:rPr lang="zh-CN" altLang="en-US" dirty="0"/>
-              <a:t>坐标系向复数系统的扩展对应了 </a:t>
-            </a:r>
-            <a:r>
-              <a:rPr lang="zh-CN" altLang="en-US" b="1" dirty="0"/>
-              <a:t>规范变换</a:t>
-            </a:r>
-            <a:r>
-              <a:rPr lang="en-US" altLang="zh-CN" dirty="0"/>
-              <a:t>(</a:t>
-            </a:r>
-            <a:r>
-              <a:rPr lang="zh-CN" altLang="en-US" dirty="0"/>
-              <a:t>相位角变换）</a:t>
+              <a:t>如果用四元数代替三个方向：</a:t>
             </a:r>
             <a:endParaRPr lang="en-US" altLang="zh-CN" dirty="0"/>
           </a:p>
           <a:p>
-            <a:r>
-              <a:rPr lang="zh-CN" altLang="en-US" dirty="0"/>
-              <a:t>四元数来表示电磁场：</a:t>
-            </a:r>
-            <a:endParaRPr lang="en-US" altLang="zh-CN" b="1" dirty="0"/>
+            <a:pPr marL="457200" lvl="1" indent="0">
+              <a:buNone/>
+            </a:pPr>
+            <a:r>
+              <a:rPr lang="en-US" altLang="zh-CN" dirty="0"/>
+              <a:t>	struct Coord</a:t>
+            </a:r>
+          </a:p>
+          <a:p>
+            <a:pPr marL="457200" lvl="1" indent="0">
+              <a:buNone/>
+            </a:pPr>
+            <a:r>
+              <a:rPr lang="en-US" altLang="zh-CN" dirty="0"/>
+              <a:t>	{	</a:t>
+            </a:r>
+          </a:p>
+          <a:p>
+            <a:pPr marL="457200" lvl="1" indent="0">
+              <a:buNone/>
+            </a:pPr>
+            <a:r>
+              <a:rPr lang="en-US" altLang="zh-CN" dirty="0"/>
+              <a:t>		quaternion </a:t>
+            </a:r>
+            <a:r>
+              <a:rPr lang="en-US" altLang="zh-CN" dirty="0" err="1"/>
+              <a:t>qx,qy,qz</a:t>
+            </a:r>
+            <a:r>
+              <a:rPr lang="en-US" altLang="zh-CN" dirty="0"/>
+              <a:t>; 		</a:t>
+            </a:r>
+            <a:r>
+              <a:rPr lang="en-US" altLang="zh-CN" dirty="0">
+                <a:solidFill>
+                  <a:schemeClr val="accent6"/>
+                </a:solidFill>
+              </a:rPr>
+              <a:t>// </a:t>
+            </a:r>
+            <a:r>
+              <a:rPr lang="zh-CN" altLang="en-US" dirty="0">
+                <a:solidFill>
+                  <a:schemeClr val="accent6"/>
+                </a:solidFill>
+              </a:rPr>
+              <a:t>三个归一化四元数</a:t>
+            </a:r>
+            <a:r>
+              <a:rPr lang="en-US" altLang="zh-CN" dirty="0"/>
+              <a:t>    				vec3 scale; 			</a:t>
+            </a:r>
+            <a:r>
+              <a:rPr lang="en-US" altLang="zh-CN" dirty="0">
+                <a:solidFill>
+                  <a:schemeClr val="accent6"/>
+                </a:solidFill>
+              </a:rPr>
+              <a:t>// </a:t>
+            </a:r>
+            <a:r>
+              <a:rPr lang="zh-CN" altLang="en-US" dirty="0">
+                <a:solidFill>
+                  <a:schemeClr val="accent6"/>
+                </a:solidFill>
+              </a:rPr>
+              <a:t>缩放</a:t>
+            </a:r>
+            <a:endParaRPr lang="en-US" altLang="zh-CN" dirty="0">
+              <a:solidFill>
+                <a:schemeClr val="accent6"/>
+              </a:solidFill>
+            </a:endParaRPr>
+          </a:p>
+          <a:p>
+            <a:pPr marL="457200" lvl="1" indent="0">
+              <a:buNone/>
+            </a:pPr>
+            <a:r>
+              <a:rPr lang="en-US" altLang="zh-CN" dirty="0"/>
+              <a:t>		vec3 o; 			</a:t>
+            </a:r>
+            <a:r>
+              <a:rPr lang="en-US" altLang="zh-CN" dirty="0">
+                <a:solidFill>
+                  <a:schemeClr val="accent6"/>
+                </a:solidFill>
+              </a:rPr>
+              <a:t>// </a:t>
+            </a:r>
+            <a:r>
+              <a:rPr lang="zh-CN" altLang="en-US" dirty="0">
+                <a:solidFill>
+                  <a:schemeClr val="accent6"/>
+                </a:solidFill>
+              </a:rPr>
+              <a:t>原点位置</a:t>
+            </a:r>
+            <a:endParaRPr lang="en-US" altLang="zh-CN" dirty="0">
+              <a:solidFill>
+                <a:schemeClr val="accent6"/>
+              </a:solidFill>
+            </a:endParaRPr>
+          </a:p>
+          <a:p>
+            <a:pPr marL="457200" lvl="1" indent="0">
+              <a:buNone/>
+            </a:pPr>
+            <a:r>
+              <a:rPr lang="en-US" altLang="zh-CN" dirty="0"/>
+              <a:t>	}</a:t>
+            </a:r>
+            <a:endParaRPr lang="zh-CN" altLang="en-US" dirty="0"/>
           </a:p>
           <a:p>
             <a:pPr marL="0" indent="0">
               <a:buNone/>
             </a:pPr>
-            <a:r>
-              <a:rPr lang="en-US" altLang="zh-CN" b="1" dirty="0"/>
-              <a:t>	Q </a:t>
-            </a:r>
-            <a:r>
-              <a:rPr lang="en-US" altLang="zh-CN" dirty="0"/>
-              <a:t>(</a:t>
-            </a:r>
-            <a:r>
-              <a:rPr lang="en-US" altLang="zh-CN" dirty="0" err="1"/>
-              <a:t>fai</a:t>
-            </a:r>
-            <a:r>
-              <a:rPr lang="en-US" altLang="zh-CN" b="1" dirty="0"/>
-              <a:t>, A</a:t>
-            </a:r>
-            <a:r>
-              <a:rPr lang="en-US" altLang="zh-CN" dirty="0"/>
-              <a:t>) = cos(</a:t>
-            </a:r>
-            <a:r>
-              <a:rPr lang="en-US" altLang="zh-CN" dirty="0" err="1"/>
-              <a:t>fai</a:t>
-            </a:r>
-            <a:r>
-              <a:rPr lang="en-US" altLang="zh-CN" dirty="0"/>
-              <a:t>/2) +</a:t>
-            </a:r>
-          </a:p>
-          <a:p>
-            <a:pPr marL="0" indent="0">
-              <a:buNone/>
-            </a:pPr>
-            <a:r>
-              <a:rPr lang="en-US" altLang="zh-CN" dirty="0"/>
-              <a:t>	 </a:t>
-            </a:r>
-            <a:r>
-              <a:rPr lang="en-US" altLang="zh-CN" b="1" dirty="0" err="1"/>
-              <a:t>i</a:t>
-            </a:r>
-            <a:r>
-              <a:rPr lang="en-US" altLang="zh-CN" dirty="0" err="1"/>
-              <a:t>Ax</a:t>
-            </a:r>
-            <a:r>
-              <a:rPr lang="en-US" altLang="zh-CN" dirty="0"/>
-              <a:t> / sin(</a:t>
-            </a:r>
-            <a:r>
-              <a:rPr lang="en-US" altLang="zh-CN" dirty="0" err="1"/>
-              <a:t>fai</a:t>
-            </a:r>
-            <a:r>
-              <a:rPr lang="en-US" altLang="zh-CN" dirty="0"/>
-              <a:t> / 2) + </a:t>
-            </a:r>
-            <a:r>
-              <a:rPr lang="en-US" altLang="zh-CN" b="1" dirty="0" err="1"/>
-              <a:t>j</a:t>
-            </a:r>
-            <a:r>
-              <a:rPr lang="en-US" altLang="zh-CN" dirty="0" err="1"/>
-              <a:t>Ax</a:t>
-            </a:r>
-            <a:r>
-              <a:rPr lang="en-US" altLang="zh-CN" dirty="0"/>
-              <a:t> / sin(</a:t>
-            </a:r>
-            <a:r>
-              <a:rPr lang="en-US" altLang="zh-CN" dirty="0" err="1"/>
-              <a:t>fai</a:t>
-            </a:r>
-            <a:r>
-              <a:rPr lang="en-US" altLang="zh-CN" dirty="0"/>
-              <a:t> / 2) + </a:t>
-            </a:r>
-            <a:r>
-              <a:rPr lang="en-US" altLang="zh-CN" b="1" dirty="0" err="1"/>
-              <a:t>k</a:t>
-            </a:r>
-            <a:r>
-              <a:rPr lang="en-US" altLang="zh-CN" dirty="0" err="1"/>
-              <a:t>Ax</a:t>
-            </a:r>
-            <a:r>
-              <a:rPr lang="en-US" altLang="zh-CN" dirty="0"/>
-              <a:t> / sin(</a:t>
-            </a:r>
-            <a:r>
-              <a:rPr lang="en-US" altLang="zh-CN" dirty="0" err="1"/>
-              <a:t>fai</a:t>
-            </a:r>
-            <a:r>
-              <a:rPr lang="en-US" altLang="zh-CN" dirty="0"/>
-              <a:t> / 2) </a:t>
-            </a:r>
-          </a:p>
-          <a:p>
-            <a:pPr marL="0" indent="0">
-              <a:buNone/>
-            </a:pPr>
-            <a:r>
-              <a:rPr lang="en-US" altLang="zh-CN" b="1" dirty="0"/>
-              <a:t>	</a:t>
-            </a:r>
-            <a:r>
-              <a:rPr lang="en-US" altLang="zh-CN" dirty="0"/>
-              <a:t> </a:t>
-            </a:r>
-            <a:r>
-              <a:rPr lang="en-US" altLang="zh-CN" dirty="0" err="1"/>
-              <a:t>fai</a:t>
-            </a:r>
-            <a:r>
-              <a:rPr lang="en-US" altLang="zh-CN" b="1" dirty="0"/>
-              <a:t> </a:t>
-            </a:r>
-            <a:r>
-              <a:rPr lang="en-US" altLang="zh-CN" dirty="0"/>
-              <a:t>– </a:t>
-            </a:r>
-            <a:r>
-              <a:rPr lang="zh-CN" altLang="en-US" dirty="0"/>
-              <a:t>相位角</a:t>
-            </a:r>
-            <a:r>
-              <a:rPr lang="zh-CN" altLang="en-US" b="1" dirty="0"/>
-              <a:t>，</a:t>
-            </a:r>
-            <a:r>
-              <a:rPr lang="en-US" altLang="zh-CN" b="1" dirty="0"/>
-              <a:t>A </a:t>
-            </a:r>
-            <a:r>
-              <a:rPr lang="en-US" altLang="zh-CN" dirty="0"/>
-              <a:t>– </a:t>
-            </a:r>
-            <a:r>
-              <a:rPr lang="zh-CN" altLang="en-US" dirty="0"/>
-              <a:t>势场</a:t>
-            </a:r>
-            <a:endParaRPr lang="en-US" altLang="zh-CN" dirty="0"/>
-          </a:p>
-          <a:p>
-            <a:pPr marL="0" indent="0">
-              <a:buNone/>
-            </a:pPr>
-            <a:r>
-              <a:rPr lang="en-US" altLang="zh-CN" dirty="0"/>
-              <a:t>    </a:t>
-            </a:r>
-            <a:r>
-              <a:rPr lang="zh-CN" altLang="en-US" dirty="0"/>
-              <a:t>对于稳态电磁场：</a:t>
-            </a:r>
-            <a:endParaRPr lang="en-US" altLang="zh-CN" dirty="0"/>
-          </a:p>
-          <a:p>
-            <a:pPr marL="0" indent="0">
-              <a:buNone/>
-            </a:pPr>
-            <a:r>
-              <a:rPr lang="en-US" altLang="zh-CN" dirty="0"/>
-              <a:t>	</a:t>
-            </a:r>
-            <a:r>
-              <a:rPr lang="zh-CN" altLang="en-US" dirty="0"/>
-              <a:t>电场</a:t>
-            </a:r>
-            <a:r>
-              <a:rPr lang="en-US" altLang="zh-CN" b="1" dirty="0"/>
-              <a:t>E</a:t>
-            </a:r>
-            <a:r>
-              <a:rPr lang="en-US" altLang="zh-CN" dirty="0"/>
-              <a:t> = -</a:t>
-            </a:r>
-            <a:r>
-              <a:rPr lang="en-US" altLang="zh-CN" dirty="0" err="1"/>
-              <a:t>gradF</a:t>
-            </a:r>
-            <a:r>
-              <a:rPr lang="en-US" altLang="zh-CN" dirty="0"/>
-              <a:t>(</a:t>
-            </a:r>
-            <a:r>
-              <a:rPr lang="en-US" altLang="zh-CN" dirty="0" err="1"/>
-              <a:t>fai</a:t>
-            </a:r>
-            <a:r>
-              <a:rPr lang="en-US" altLang="zh-CN" dirty="0"/>
-              <a:t>), </a:t>
-            </a:r>
-            <a:r>
-              <a:rPr lang="zh-CN" altLang="en-US" dirty="0"/>
-              <a:t>磁场</a:t>
-            </a:r>
-            <a:r>
-              <a:rPr lang="en-US" altLang="zh-CN" b="1" dirty="0"/>
-              <a:t>B</a:t>
-            </a:r>
-            <a:r>
-              <a:rPr lang="en-US" altLang="zh-CN" dirty="0"/>
-              <a:t> = </a:t>
-            </a:r>
-            <a:r>
-              <a:rPr lang="en-US" altLang="zh-CN" dirty="0" err="1"/>
-              <a:t>curl</a:t>
-            </a:r>
-            <a:r>
-              <a:rPr lang="en-US" altLang="zh-CN" b="1" dirty="0" err="1"/>
-              <a:t>F</a:t>
-            </a:r>
-            <a:r>
-              <a:rPr lang="en-US" altLang="zh-CN" dirty="0"/>
-              <a:t>(</a:t>
-            </a:r>
-            <a:r>
-              <a:rPr lang="en-US" altLang="zh-CN" b="1" dirty="0"/>
-              <a:t>A</a:t>
-            </a:r>
-            <a:r>
-              <a:rPr lang="en-US" altLang="zh-CN" dirty="0"/>
-              <a:t>)</a:t>
-            </a:r>
             <a:endParaRPr lang="zh-CN" altLang="en-US" dirty="0"/>
           </a:p>
         </p:txBody>
@@ -9235,7 +9054,7 @@
     </p:spTree>
     <p:extLst>
       <p:ext uri="{BB962C8B-B14F-4D97-AF65-F5344CB8AC3E}">
-        <p14:creationId xmlns:p14="http://schemas.microsoft.com/office/powerpoint/2010/main" val="1862447365"/>
+        <p14:creationId xmlns:p14="http://schemas.microsoft.com/office/powerpoint/2010/main" val="31187552"/>
       </p:ext>
     </p:extLst>
   </p:cSld>
@@ -9262,6 +9081,344 @@
           <a:chExt cx="0" cy="0"/>
         </a:xfrm>
       </p:grpSpPr>
+      <p:sp>
+        <p:nvSpPr>
+          <p:cNvPr id="2" name="标题 1">
+            <a:extLst>
+              <a:ext uri="{FF2B5EF4-FFF2-40B4-BE49-F238E27FC236}">
+                <a16:creationId xmlns:a16="http://schemas.microsoft.com/office/drawing/2014/main" id="{113D7878-8A99-D8BB-D4BE-DF706E77705B}"/>
+              </a:ext>
+            </a:extLst>
+          </p:cNvPr>
+          <p:cNvSpPr>
+            <a:spLocks noGrp="1"/>
+          </p:cNvSpPr>
+          <p:nvPr>
+            <p:ph type="title"/>
+          </p:nvPr>
+        </p:nvSpPr>
+        <p:spPr/>
+        <p:txBody>
+          <a:bodyPr/>
+          <a:lstStyle/>
+          <a:p>
+            <a:r>
+              <a:rPr lang="zh-CN" altLang="en-US" dirty="0"/>
+              <a:t>高阶扩展之四元数坐标系</a:t>
+            </a:r>
+          </a:p>
+        </p:txBody>
+      </p:sp>
+      <p:sp>
+        <p:nvSpPr>
+          <p:cNvPr id="3" name="内容占位符 2">
+            <a:extLst>
+              <a:ext uri="{FF2B5EF4-FFF2-40B4-BE49-F238E27FC236}">
+                <a16:creationId xmlns:a16="http://schemas.microsoft.com/office/drawing/2014/main" id="{6C089765-0B97-1955-FE5D-FF0CCD33EFA9}"/>
+              </a:ext>
+            </a:extLst>
+          </p:cNvPr>
+          <p:cNvSpPr>
+            <a:spLocks noGrp="1"/>
+          </p:cNvSpPr>
+          <p:nvPr>
+            <p:ph idx="1"/>
+          </p:nvPr>
+        </p:nvSpPr>
+        <p:spPr/>
+        <p:txBody>
+          <a:bodyPr/>
+          <a:lstStyle/>
+          <a:p>
+            <a:r>
+              <a:rPr lang="zh-CN" altLang="en-US" dirty="0"/>
+              <a:t>坐标系向复数系统的扩展对应了 </a:t>
+            </a:r>
+            <a:r>
+              <a:rPr lang="zh-CN" altLang="en-US" b="1" dirty="0"/>
+              <a:t>规范变换</a:t>
+            </a:r>
+            <a:r>
+              <a:rPr lang="en-US" altLang="zh-CN" dirty="0"/>
+              <a:t>(</a:t>
+            </a:r>
+            <a:r>
+              <a:rPr lang="zh-CN" altLang="en-US" dirty="0"/>
+              <a:t>相位角变换）</a:t>
+            </a:r>
+            <a:endParaRPr lang="en-US" altLang="zh-CN" dirty="0"/>
+          </a:p>
+          <a:p>
+            <a:r>
+              <a:rPr lang="zh-CN" altLang="en-US" dirty="0"/>
+              <a:t>四元数来表示电磁场：</a:t>
+            </a:r>
+            <a:endParaRPr lang="en-US" altLang="zh-CN" b="1" dirty="0"/>
+          </a:p>
+          <a:p>
+            <a:pPr marL="0" indent="0">
+              <a:buNone/>
+            </a:pPr>
+            <a:r>
+              <a:rPr lang="en-US" altLang="zh-CN" b="1" dirty="0"/>
+              <a:t>	Q </a:t>
+            </a:r>
+            <a:r>
+              <a:rPr lang="en-US" altLang="zh-CN" dirty="0"/>
+              <a:t>(</a:t>
+            </a:r>
+            <a:r>
+              <a:rPr lang="en-US" altLang="zh-CN" dirty="0" err="1"/>
+              <a:t>fai</a:t>
+            </a:r>
+            <a:r>
+              <a:rPr lang="en-US" altLang="zh-CN" b="1" dirty="0"/>
+              <a:t>, A</a:t>
+            </a:r>
+            <a:r>
+              <a:rPr lang="en-US" altLang="zh-CN" dirty="0"/>
+              <a:t>) = cos(</a:t>
+            </a:r>
+            <a:r>
+              <a:rPr lang="en-US" altLang="zh-CN" dirty="0" err="1"/>
+              <a:t>fai</a:t>
+            </a:r>
+            <a:r>
+              <a:rPr lang="en-US" altLang="zh-CN" dirty="0"/>
+              <a:t>/2) +</a:t>
+            </a:r>
+          </a:p>
+          <a:p>
+            <a:pPr marL="0" indent="0">
+              <a:buNone/>
+            </a:pPr>
+            <a:r>
+              <a:rPr lang="en-US" altLang="zh-CN" dirty="0"/>
+              <a:t>	 </a:t>
+            </a:r>
+            <a:r>
+              <a:rPr lang="en-US" altLang="zh-CN" b="1" dirty="0" err="1"/>
+              <a:t>i</a:t>
+            </a:r>
+            <a:r>
+              <a:rPr lang="en-US" altLang="zh-CN" dirty="0" err="1"/>
+              <a:t>Ax</a:t>
+            </a:r>
+            <a:r>
+              <a:rPr lang="en-US" altLang="zh-CN" dirty="0"/>
+              <a:t> / sin(</a:t>
+            </a:r>
+            <a:r>
+              <a:rPr lang="en-US" altLang="zh-CN" dirty="0" err="1"/>
+              <a:t>fai</a:t>
+            </a:r>
+            <a:r>
+              <a:rPr lang="en-US" altLang="zh-CN" dirty="0"/>
+              <a:t> / 2) + </a:t>
+            </a:r>
+            <a:r>
+              <a:rPr lang="en-US" altLang="zh-CN" b="1" dirty="0" err="1"/>
+              <a:t>j</a:t>
+            </a:r>
+            <a:r>
+              <a:rPr lang="en-US" altLang="zh-CN" dirty="0" err="1"/>
+              <a:t>Ax</a:t>
+            </a:r>
+            <a:r>
+              <a:rPr lang="en-US" altLang="zh-CN" dirty="0"/>
+              <a:t> / sin(</a:t>
+            </a:r>
+            <a:r>
+              <a:rPr lang="en-US" altLang="zh-CN" dirty="0" err="1"/>
+              <a:t>fai</a:t>
+            </a:r>
+            <a:r>
+              <a:rPr lang="en-US" altLang="zh-CN" dirty="0"/>
+              <a:t> / 2) + </a:t>
+            </a:r>
+            <a:r>
+              <a:rPr lang="en-US" altLang="zh-CN" b="1" dirty="0" err="1"/>
+              <a:t>k</a:t>
+            </a:r>
+            <a:r>
+              <a:rPr lang="en-US" altLang="zh-CN" dirty="0" err="1"/>
+              <a:t>Ax</a:t>
+            </a:r>
+            <a:r>
+              <a:rPr lang="en-US" altLang="zh-CN" dirty="0"/>
+              <a:t> / sin(</a:t>
+            </a:r>
+            <a:r>
+              <a:rPr lang="en-US" altLang="zh-CN" dirty="0" err="1"/>
+              <a:t>fai</a:t>
+            </a:r>
+            <a:r>
+              <a:rPr lang="en-US" altLang="zh-CN" dirty="0"/>
+              <a:t> / 2) </a:t>
+            </a:r>
+          </a:p>
+          <a:p>
+            <a:pPr marL="0" indent="0">
+              <a:buNone/>
+            </a:pPr>
+            <a:r>
+              <a:rPr lang="en-US" altLang="zh-CN" b="1" dirty="0"/>
+              <a:t>	</a:t>
+            </a:r>
+            <a:r>
+              <a:rPr lang="en-US" altLang="zh-CN" dirty="0"/>
+              <a:t> </a:t>
+            </a:r>
+            <a:r>
+              <a:rPr lang="en-US" altLang="zh-CN" dirty="0" err="1"/>
+              <a:t>fai</a:t>
+            </a:r>
+            <a:r>
+              <a:rPr lang="en-US" altLang="zh-CN" b="1" dirty="0"/>
+              <a:t> </a:t>
+            </a:r>
+            <a:r>
+              <a:rPr lang="en-US" altLang="zh-CN" dirty="0"/>
+              <a:t>– </a:t>
+            </a:r>
+            <a:r>
+              <a:rPr lang="zh-CN" altLang="en-US" dirty="0"/>
+              <a:t>相位角</a:t>
+            </a:r>
+            <a:r>
+              <a:rPr lang="zh-CN" altLang="en-US" b="1" dirty="0"/>
+              <a:t>，</a:t>
+            </a:r>
+            <a:r>
+              <a:rPr lang="en-US" altLang="zh-CN" b="1" dirty="0"/>
+              <a:t>A </a:t>
+            </a:r>
+            <a:r>
+              <a:rPr lang="en-US" altLang="zh-CN" dirty="0"/>
+              <a:t>– </a:t>
+            </a:r>
+            <a:r>
+              <a:rPr lang="zh-CN" altLang="en-US" dirty="0"/>
+              <a:t>势场</a:t>
+            </a:r>
+            <a:endParaRPr lang="en-US" altLang="zh-CN" dirty="0"/>
+          </a:p>
+          <a:p>
+            <a:pPr marL="0" indent="0">
+              <a:buNone/>
+            </a:pPr>
+            <a:r>
+              <a:rPr lang="en-US" altLang="zh-CN" dirty="0"/>
+              <a:t>    </a:t>
+            </a:r>
+            <a:r>
+              <a:rPr lang="zh-CN" altLang="en-US" dirty="0"/>
+              <a:t>对于稳态电磁场：</a:t>
+            </a:r>
+            <a:endParaRPr lang="en-US" altLang="zh-CN" dirty="0"/>
+          </a:p>
+          <a:p>
+            <a:pPr marL="0" indent="0">
+              <a:buNone/>
+            </a:pPr>
+            <a:r>
+              <a:rPr lang="en-US" altLang="zh-CN" dirty="0"/>
+              <a:t>	</a:t>
+            </a:r>
+            <a:r>
+              <a:rPr lang="zh-CN" altLang="en-US" dirty="0"/>
+              <a:t>电场</a:t>
+            </a:r>
+            <a:r>
+              <a:rPr lang="en-US" altLang="zh-CN" b="1" dirty="0"/>
+              <a:t>E</a:t>
+            </a:r>
+            <a:r>
+              <a:rPr lang="en-US" altLang="zh-CN" dirty="0"/>
+              <a:t> = -</a:t>
+            </a:r>
+            <a:r>
+              <a:rPr lang="en-US" altLang="zh-CN" dirty="0" err="1"/>
+              <a:t>gradF</a:t>
+            </a:r>
+            <a:r>
+              <a:rPr lang="en-US" altLang="zh-CN" dirty="0"/>
+              <a:t>(</a:t>
+            </a:r>
+            <a:r>
+              <a:rPr lang="en-US" altLang="zh-CN" dirty="0" err="1"/>
+              <a:t>fai</a:t>
+            </a:r>
+            <a:r>
+              <a:rPr lang="en-US" altLang="zh-CN" dirty="0"/>
+              <a:t>), </a:t>
+            </a:r>
+            <a:r>
+              <a:rPr lang="zh-CN" altLang="en-US" dirty="0"/>
+              <a:t>磁场</a:t>
+            </a:r>
+            <a:r>
+              <a:rPr lang="en-US" altLang="zh-CN" b="1" dirty="0"/>
+              <a:t>B</a:t>
+            </a:r>
+            <a:r>
+              <a:rPr lang="en-US" altLang="zh-CN" dirty="0"/>
+              <a:t> = </a:t>
+            </a:r>
+            <a:r>
+              <a:rPr lang="en-US" altLang="zh-CN" dirty="0" err="1"/>
+              <a:t>curl</a:t>
+            </a:r>
+            <a:r>
+              <a:rPr lang="en-US" altLang="zh-CN" b="1" dirty="0" err="1"/>
+              <a:t>F</a:t>
+            </a:r>
+            <a:r>
+              <a:rPr lang="en-US" altLang="zh-CN" dirty="0"/>
+              <a:t>(</a:t>
+            </a:r>
+            <a:r>
+              <a:rPr lang="en-US" altLang="zh-CN" b="1" dirty="0"/>
+              <a:t>A</a:t>
+            </a:r>
+            <a:r>
+              <a:rPr lang="en-US" altLang="zh-CN" dirty="0"/>
+              <a:t>)</a:t>
+            </a:r>
+            <a:endParaRPr lang="zh-CN" altLang="en-US" dirty="0"/>
+          </a:p>
+        </p:txBody>
+      </p:sp>
+    </p:spTree>
+    <p:extLst>
+      <p:ext uri="{BB962C8B-B14F-4D97-AF65-F5344CB8AC3E}">
+        <p14:creationId xmlns:p14="http://schemas.microsoft.com/office/powerpoint/2010/main" val="1862447365"/>
+      </p:ext>
+    </p:extLst>
+  </p:cSld>
+  <p:clrMapOvr>
+    <a:masterClrMapping/>
+  </p:clrMapOvr>
+</p:sld>
+</file>
+
+<file path=ppt/slides/slide33.xml><?xml version="1.0" encoding="utf-8"?>
+<p:sld xmlns:a="http://schemas.openxmlformats.org/drawingml/2006/main" xmlns:r="http://schemas.openxmlformats.org/officeDocument/2006/relationships" xmlns:p="http://schemas.openxmlformats.org/presentationml/2006/main">
+  <p:cSld>
+    <p:spTree>
+      <p:nvGrpSpPr>
+        <p:cNvPr id="1" name=""/>
+        <p:cNvGrpSpPr/>
+        <p:nvPr/>
+      </p:nvGrpSpPr>
+      <p:grpSpPr>
+        <a:xfrm>
+          <a:off x="0" y="0"/>
+          <a:ext cx="0" cy="0"/>
+          <a:chOff x="0" y="0"/>
+          <a:chExt cx="0" cy="0"/>
+        </a:xfrm>
+      </p:grpSpPr>
       <p:pic>
         <p:nvPicPr>
           <p:cNvPr id="5" name="内容占位符 4">
@@ -9402,7 +9559,7 @@
 </p:sld>
 </file>
 
-<file path=ppt/slides/slide33.xml><?xml version="1.0" encoding="utf-8"?>
+<file path=ppt/slides/slide34.xml><?xml version="1.0" encoding="utf-8"?>
 <p:sld xmlns:a="http://schemas.openxmlformats.org/drawingml/2006/main" xmlns:r="http://schemas.openxmlformats.org/officeDocument/2006/relationships" xmlns:p="http://schemas.openxmlformats.org/presentationml/2006/main">
   <p:cSld>
     <p:spTree>
